--- a/powerpoint/ATVBMHTTT.pptx
+++ b/powerpoint/ATVBMHTTT.pptx
@@ -7,9 +7,14 @@
   <p:sldIdLst>
     <p:sldId id="256" r:id="rId2"/>
     <p:sldId id="257" r:id="rId3"/>
-    <p:sldId id="258" r:id="rId4"/>
-    <p:sldId id="259" r:id="rId5"/>
-    <p:sldId id="260" r:id="rId6"/>
+    <p:sldId id="262" r:id="rId4"/>
+    <p:sldId id="258" r:id="rId5"/>
+    <p:sldId id="259" r:id="rId6"/>
+    <p:sldId id="260" r:id="rId7"/>
+    <p:sldId id="261" r:id="rId8"/>
+    <p:sldId id="263" r:id="rId9"/>
+    <p:sldId id="264" r:id="rId10"/>
+    <p:sldId id="265" r:id="rId11"/>
   </p:sldIdLst>
   <p:sldSz cx="9144000" cy="6858000" type="screen4x3"/>
   <p:notesSz cx="6858000" cy="9144000"/>
@@ -4001,6 +4006,58 @@
 </p:sld>
 </file>
 
+<file path=ppt/slides/slide10.xml><?xml version="1.0" encoding="utf-8"?>
+<p:sld xmlns:a="http://schemas.openxmlformats.org/drawingml/2006/main" xmlns:r="http://schemas.openxmlformats.org/officeDocument/2006/relationships" xmlns:p="http://schemas.openxmlformats.org/presentationml/2006/main">
+  <p:cSld>
+    <p:spTree>
+      <p:nvGrpSpPr>
+        <p:cNvPr id="1" name=""/>
+        <p:cNvGrpSpPr/>
+        <p:nvPr/>
+      </p:nvGrpSpPr>
+      <p:grpSpPr>
+        <a:xfrm>
+          <a:off x="0" y="0"/>
+          <a:ext cx="0" cy="0"/>
+          <a:chOff x="0" y="0"/>
+          <a:chExt cx="0" cy="0"/>
+        </a:xfrm>
+      </p:grpSpPr>
+      <p:sp>
+        <p:nvSpPr>
+          <p:cNvPr id="2" name="Content Placeholder 1"/>
+          <p:cNvSpPr>
+            <a:spLocks noGrp="1"/>
+          </p:cNvSpPr>
+          <p:nvPr>
+            <p:ph idx="1"/>
+          </p:nvPr>
+        </p:nvSpPr>
+        <p:spPr>
+          <a:xfrm>
+            <a:off x="457200" y="533400"/>
+            <a:ext cx="8229600" cy="5562600"/>
+          </a:xfrm>
+        </p:spPr>
+        <p:txBody>
+          <a:bodyPr/>
+          <a:lstStyle/>
+          <a:p>
+            <a:pPr>
+              <a:buNone/>
+            </a:pPr>
+            <a:endParaRPr lang="en-US" dirty="0"/>
+          </a:p>
+        </p:txBody>
+      </p:sp>
+    </p:spTree>
+  </p:cSld>
+  <p:clrMapOvr>
+    <a:masterClrMapping/>
+  </p:clrMapOvr>
+</p:sld>
+</file>
+
 <file path=ppt/slides/slide2.xml><?xml version="1.0" encoding="utf-8"?>
 <p:sld xmlns:a="http://schemas.openxmlformats.org/drawingml/2006/main" xmlns:r="http://schemas.openxmlformats.org/officeDocument/2006/relationships" xmlns:p="http://schemas.openxmlformats.org/presentationml/2006/main">
   <p:cSld>
@@ -4184,284 +4241,41 @@
       </p:grpSpPr>
       <p:sp>
         <p:nvSpPr>
-          <p:cNvPr id="2" name="Content Placeholder 1"/>
-          <p:cNvSpPr>
-            <a:spLocks noGrp="1"/>
-          </p:cNvSpPr>
-          <p:nvPr>
-            <p:ph idx="1"/>
-          </p:nvPr>
-        </p:nvSpPr>
-        <p:spPr/>
-        <p:txBody>
-          <a:bodyPr>
-            <a:normAutofit/>
-          </a:bodyPr>
-          <a:lstStyle/>
-          <a:p>
-            <a:pPr marL="796925" lvl="1" indent="-369888">
-              <a:buFont typeface="Arial" pitchFamily="34" charset="0"/>
-              <a:buChar char="-"/>
-            </a:pPr>
+          <p:cNvPr id="3" name="Title 2"/>
+          <p:cNvSpPr>
+            <a:spLocks noGrp="1"/>
+          </p:cNvSpPr>
+          <p:nvPr>
+            <p:ph type="title"/>
+          </p:nvPr>
+        </p:nvSpPr>
+        <p:spPr>
+          <a:xfrm>
+            <a:off x="457200" y="2667000"/>
+            <a:ext cx="8229600" cy="1219200"/>
+          </a:xfrm>
+        </p:spPr>
+        <p:txBody>
+          <a:bodyPr anchor="ctr"/>
+          <a:lstStyle/>
+          <a:p>
+            <a:pPr algn="ctr"/>
             <a:r>
               <a:rPr lang="en-US" dirty="0" smtClean="0">
-                <a:latin typeface="Arial" pitchFamily="34" charset="0"/>
-                <a:cs typeface="Arial" pitchFamily="34" charset="0"/>
+                <a:solidFill>
+                  <a:srgbClr val="FF0000"/>
+                </a:solidFill>
               </a:rPr>
-              <a:t>Trong mọi lĩnh vực kinh tế, chính trị quân sự,...</a:t>
-            </a:r>
-            <a:r>
-              <a:rPr lang="en-US" dirty="0" smtClean="0">
-                <a:latin typeface="Arial" pitchFamily="34" charset="0"/>
-                <a:cs typeface="Arial" pitchFamily="34" charset="0"/>
-              </a:rPr>
-              <a:t> </a:t>
-            </a:r>
-            <a:r>
-              <a:rPr lang="en-US" dirty="0" smtClean="0">
-                <a:latin typeface="Arial" pitchFamily="34" charset="0"/>
-                <a:cs typeface="Arial" pitchFamily="34" charset="0"/>
-              </a:rPr>
-              <a:t>luôn có nhu cầu trao đổi thông tin giữa các cá nhân, các công ty, tổ chức hoặc giữa các quốc gia với nhau. Ngày nay, với sự phát triển công nghệ thông tin đặc biệt là mạng internet thì việc truyền tải thông tin đã dễ dàng và nhanh chóng hơn.</a:t>
+              <a:t>GIỚI THIỆU CHUNG</a:t>
             </a:r>
             <a:endParaRPr lang="en-US" dirty="0">
-              <a:latin typeface="Arial" pitchFamily="34" charset="0"/>
-              <a:cs typeface="Arial" pitchFamily="34" charset="0"/>
+              <a:solidFill>
+                <a:srgbClr val="FF0000"/>
+              </a:solidFill>
             </a:endParaRPr>
           </a:p>
         </p:txBody>
       </p:sp>
-      <p:sp>
-        <p:nvSpPr>
-          <p:cNvPr id="3" name="Title 2"/>
-          <p:cNvSpPr>
-            <a:spLocks noGrp="1"/>
-          </p:cNvSpPr>
-          <p:nvPr>
-            <p:ph type="title"/>
-          </p:nvPr>
-        </p:nvSpPr>
-        <p:spPr/>
-        <p:txBody>
-          <a:bodyPr/>
-          <a:lstStyle/>
-          <a:p>
-            <a:r>
-              <a:rPr lang="en-US" dirty="0" smtClean="0"/>
-              <a:t>Giới </a:t>
-            </a:r>
-            <a:r>
-              <a:rPr lang="en-US" dirty="0" smtClean="0"/>
-              <a:t>thiệu chung</a:t>
-            </a:r>
-            <a:endParaRPr lang="en-US" dirty="0"/>
-          </a:p>
-        </p:txBody>
-      </p:sp>
-      <p:sp>
-        <p:nvSpPr>
-          <p:cNvPr id="4" name="Rectangle 3"/>
-          <p:cNvSpPr/>
-          <p:nvPr/>
-        </p:nvSpPr>
-        <p:spPr>
-          <a:xfrm>
-            <a:off x="6019800" y="4572000"/>
-            <a:ext cx="2286000" cy="762000"/>
-          </a:xfrm>
-          <a:prstGeom prst="rect">
-            <a:avLst/>
-          </a:prstGeom>
-        </p:spPr>
-        <p:style>
-          <a:lnRef idx="2">
-            <a:schemeClr val="accent1">
-              <a:shade val="50000"/>
-            </a:schemeClr>
-          </a:lnRef>
-          <a:fillRef idx="1">
-            <a:schemeClr val="accent1"/>
-          </a:fillRef>
-          <a:effectRef idx="0">
-            <a:schemeClr val="accent1"/>
-          </a:effectRef>
-          <a:fontRef idx="minor">
-            <a:schemeClr val="lt1"/>
-          </a:fontRef>
-        </p:style>
-        <p:txBody>
-          <a:bodyPr rtlCol="0" anchor="ctr"/>
-          <a:lstStyle/>
-          <a:p>
-            <a:pPr algn="ctr"/>
-            <a:r>
-              <a:rPr lang="en-US" dirty="0" smtClean="0"/>
-              <a:t>Ông B nhận thông tin từ ông A</a:t>
-            </a:r>
-            <a:endParaRPr lang="en-US" dirty="0"/>
-          </a:p>
-        </p:txBody>
-      </p:sp>
-      <p:sp>
-        <p:nvSpPr>
-          <p:cNvPr id="5" name="7-Point Star 4"/>
-          <p:cNvSpPr/>
-          <p:nvPr/>
-        </p:nvSpPr>
-        <p:spPr>
-          <a:xfrm>
-            <a:off x="3657600" y="4419600"/>
-            <a:ext cx="1905000" cy="914400"/>
-          </a:xfrm>
-          <a:prstGeom prst="star7">
-            <a:avLst/>
-          </a:prstGeom>
-        </p:spPr>
-        <p:style>
-          <a:lnRef idx="2">
-            <a:schemeClr val="accent1">
-              <a:shade val="50000"/>
-            </a:schemeClr>
-          </a:lnRef>
-          <a:fillRef idx="1">
-            <a:schemeClr val="accent1"/>
-          </a:fillRef>
-          <a:effectRef idx="0">
-            <a:schemeClr val="accent1"/>
-          </a:effectRef>
-          <a:fontRef idx="minor">
-            <a:schemeClr val="lt1"/>
-          </a:fontRef>
-        </p:style>
-        <p:txBody>
-          <a:bodyPr rtlCol="0" anchor="ctr"/>
-          <a:lstStyle/>
-          <a:p>
-            <a:pPr algn="ctr"/>
-            <a:r>
-              <a:rPr lang="en-US" dirty="0" smtClean="0"/>
-              <a:t>Internet</a:t>
-            </a:r>
-            <a:endParaRPr lang="en-US" dirty="0"/>
-          </a:p>
-        </p:txBody>
-      </p:sp>
-      <p:sp>
-        <p:nvSpPr>
-          <p:cNvPr id="6" name="Rectangle 5"/>
-          <p:cNvSpPr/>
-          <p:nvPr/>
-        </p:nvSpPr>
-        <p:spPr>
-          <a:xfrm>
-            <a:off x="1219200" y="4648200"/>
-            <a:ext cx="1981200" cy="762000"/>
-          </a:xfrm>
-          <a:prstGeom prst="rect">
-            <a:avLst/>
-          </a:prstGeom>
-        </p:spPr>
-        <p:style>
-          <a:lnRef idx="2">
-            <a:schemeClr val="accent1">
-              <a:shade val="50000"/>
-            </a:schemeClr>
-          </a:lnRef>
-          <a:fillRef idx="1">
-            <a:schemeClr val="accent1"/>
-          </a:fillRef>
-          <a:effectRef idx="0">
-            <a:schemeClr val="accent1"/>
-          </a:effectRef>
-          <a:fontRef idx="minor">
-            <a:schemeClr val="lt1"/>
-          </a:fontRef>
-        </p:style>
-        <p:txBody>
-          <a:bodyPr rtlCol="0" anchor="ctr"/>
-          <a:lstStyle/>
-          <a:p>
-            <a:pPr algn="ctr"/>
-            <a:r>
-              <a:rPr lang="en-US" dirty="0" smtClean="0"/>
-              <a:t>Thông tin ông A cần gửi đi</a:t>
-            </a:r>
-            <a:endParaRPr lang="en-US" dirty="0"/>
-          </a:p>
-        </p:txBody>
-      </p:sp>
-      <p:cxnSp>
-        <p:nvCxnSpPr>
-          <p:cNvPr id="8" name="Straight Arrow Connector 7"/>
-          <p:cNvCxnSpPr>
-            <a:stCxn id="6" idx="3"/>
-            <a:endCxn id="5" idx="4"/>
-          </p:cNvCxnSpPr>
-          <p:nvPr/>
-        </p:nvCxnSpPr>
-        <p:spPr>
-          <a:xfrm flipV="1">
-            <a:off x="3200400" y="5007657"/>
-            <a:ext cx="457195" cy="21543"/>
-          </a:xfrm>
-          <a:prstGeom prst="straightConnector1">
-            <a:avLst/>
-          </a:prstGeom>
-          <a:ln>
-            <a:tailEnd type="arrow"/>
-          </a:ln>
-        </p:spPr>
-        <p:style>
-          <a:lnRef idx="2">
-            <a:schemeClr val="accent2"/>
-          </a:lnRef>
-          <a:fillRef idx="0">
-            <a:schemeClr val="accent2"/>
-          </a:fillRef>
-          <a:effectRef idx="1">
-            <a:schemeClr val="accent2"/>
-          </a:effectRef>
-          <a:fontRef idx="minor">
-            <a:schemeClr val="tx1"/>
-          </a:fontRef>
-        </p:style>
-      </p:cxnSp>
-      <p:cxnSp>
-        <p:nvCxnSpPr>
-          <p:cNvPr id="16" name="Straight Arrow Connector 15"/>
-          <p:cNvCxnSpPr>
-            <a:stCxn id="5" idx="1"/>
-            <a:endCxn id="4" idx="1"/>
-          </p:cNvCxnSpPr>
-          <p:nvPr/>
-        </p:nvCxnSpPr>
-        <p:spPr>
-          <a:xfrm flipV="1">
-            <a:off x="5562605" y="4953000"/>
-            <a:ext cx="457195" cy="54657"/>
-          </a:xfrm>
-          <a:prstGeom prst="straightConnector1">
-            <a:avLst/>
-          </a:prstGeom>
-          <a:ln>
-            <a:tailEnd type="arrow"/>
-          </a:ln>
-        </p:spPr>
-        <p:style>
-          <a:lnRef idx="2">
-            <a:schemeClr val="accent2"/>
-          </a:lnRef>
-          <a:fillRef idx="0">
-            <a:schemeClr val="accent2"/>
-          </a:fillRef>
-          <a:effectRef idx="1">
-            <a:schemeClr val="accent2"/>
-          </a:effectRef>
-          <a:fontRef idx="minor">
-            <a:schemeClr val="tx1"/>
-          </a:fontRef>
-        </p:style>
-      </p:cxnSp>
     </p:spTree>
   </p:cSld>
   <p:clrMapOvr>
@@ -4504,6 +4318,300 @@
             <p:ph idx="1"/>
           </p:nvPr>
         </p:nvSpPr>
+        <p:spPr/>
+        <p:txBody>
+          <a:bodyPr>
+            <a:normAutofit/>
+          </a:bodyPr>
+          <a:lstStyle/>
+          <a:p>
+            <a:pPr marL="796925" lvl="1" indent="-369888">
+              <a:buFont typeface="Arial" pitchFamily="34" charset="0"/>
+              <a:buChar char="-"/>
+            </a:pPr>
+            <a:r>
+              <a:rPr lang="en-US" dirty="0" smtClean="0">
+                <a:latin typeface="Arial" pitchFamily="34" charset="0"/>
+                <a:cs typeface="Arial" pitchFamily="34" charset="0"/>
+              </a:rPr>
+              <a:t>Trong mọi lĩnh vực kinh tế, chính trị quân sự,... luôn có nhu cầu trao đổi thông tin giữa các cá nhân, các công ty, tổ chức hoặc giữa các quốc gia với nhau. Ngày nay, với sự phát triển công nghệ thông tin đặc biệt là mạng internet thì việc truyền tải thông tin đã dễ dàng và nhanh chóng hơn.</a:t>
+            </a:r>
+            <a:endParaRPr lang="en-US" dirty="0">
+              <a:latin typeface="Arial" pitchFamily="34" charset="0"/>
+              <a:cs typeface="Arial" pitchFamily="34" charset="0"/>
+            </a:endParaRPr>
+          </a:p>
+        </p:txBody>
+      </p:sp>
+      <p:sp>
+        <p:nvSpPr>
+          <p:cNvPr id="3" name="Title 2"/>
+          <p:cNvSpPr>
+            <a:spLocks noGrp="1"/>
+          </p:cNvSpPr>
+          <p:nvPr>
+            <p:ph type="title"/>
+          </p:nvPr>
+        </p:nvSpPr>
+        <p:spPr/>
+        <p:txBody>
+          <a:bodyPr/>
+          <a:lstStyle/>
+          <a:p>
+            <a:r>
+              <a:rPr lang="en-US" dirty="0" smtClean="0"/>
+              <a:t>Giới thiệu chung</a:t>
+            </a:r>
+            <a:endParaRPr lang="en-US" dirty="0"/>
+          </a:p>
+        </p:txBody>
+      </p:sp>
+      <p:sp>
+        <p:nvSpPr>
+          <p:cNvPr id="4" name="Rectangle 3"/>
+          <p:cNvSpPr/>
+          <p:nvPr/>
+        </p:nvSpPr>
+        <p:spPr>
+          <a:xfrm>
+            <a:off x="6019800" y="4572000"/>
+            <a:ext cx="2286000" cy="762000"/>
+          </a:xfrm>
+          <a:prstGeom prst="rect">
+            <a:avLst/>
+          </a:prstGeom>
+        </p:spPr>
+        <p:style>
+          <a:lnRef idx="2">
+            <a:schemeClr val="accent1">
+              <a:shade val="50000"/>
+            </a:schemeClr>
+          </a:lnRef>
+          <a:fillRef idx="1">
+            <a:schemeClr val="accent1"/>
+          </a:fillRef>
+          <a:effectRef idx="0">
+            <a:schemeClr val="accent1"/>
+          </a:effectRef>
+          <a:fontRef idx="minor">
+            <a:schemeClr val="lt1"/>
+          </a:fontRef>
+        </p:style>
+        <p:txBody>
+          <a:bodyPr rtlCol="0" anchor="ctr"/>
+          <a:lstStyle/>
+          <a:p>
+            <a:pPr algn="ctr"/>
+            <a:r>
+              <a:rPr lang="en-US" dirty="0" smtClean="0"/>
+              <a:t>Ông B nhận thông tin từ ông A</a:t>
+            </a:r>
+            <a:endParaRPr lang="en-US" dirty="0"/>
+          </a:p>
+        </p:txBody>
+      </p:sp>
+      <p:sp>
+        <p:nvSpPr>
+          <p:cNvPr id="5" name="7-Point Star 4"/>
+          <p:cNvSpPr/>
+          <p:nvPr/>
+        </p:nvSpPr>
+        <p:spPr>
+          <a:xfrm>
+            <a:off x="3657600" y="4419600"/>
+            <a:ext cx="1905000" cy="914400"/>
+          </a:xfrm>
+          <a:prstGeom prst="star7">
+            <a:avLst/>
+          </a:prstGeom>
+        </p:spPr>
+        <p:style>
+          <a:lnRef idx="2">
+            <a:schemeClr val="accent1">
+              <a:shade val="50000"/>
+            </a:schemeClr>
+          </a:lnRef>
+          <a:fillRef idx="1">
+            <a:schemeClr val="accent1"/>
+          </a:fillRef>
+          <a:effectRef idx="0">
+            <a:schemeClr val="accent1"/>
+          </a:effectRef>
+          <a:fontRef idx="minor">
+            <a:schemeClr val="lt1"/>
+          </a:fontRef>
+        </p:style>
+        <p:txBody>
+          <a:bodyPr rtlCol="0" anchor="ctr"/>
+          <a:lstStyle/>
+          <a:p>
+            <a:pPr algn="ctr"/>
+            <a:r>
+              <a:rPr lang="en-US" dirty="0" smtClean="0"/>
+              <a:t>Internet</a:t>
+            </a:r>
+            <a:endParaRPr lang="en-US" dirty="0"/>
+          </a:p>
+        </p:txBody>
+      </p:sp>
+      <p:sp>
+        <p:nvSpPr>
+          <p:cNvPr id="6" name="Rectangle 5"/>
+          <p:cNvSpPr/>
+          <p:nvPr/>
+        </p:nvSpPr>
+        <p:spPr>
+          <a:xfrm>
+            <a:off x="1219200" y="4648200"/>
+            <a:ext cx="1981200" cy="762000"/>
+          </a:xfrm>
+          <a:prstGeom prst="rect">
+            <a:avLst/>
+          </a:prstGeom>
+        </p:spPr>
+        <p:style>
+          <a:lnRef idx="2">
+            <a:schemeClr val="accent1">
+              <a:shade val="50000"/>
+            </a:schemeClr>
+          </a:lnRef>
+          <a:fillRef idx="1">
+            <a:schemeClr val="accent1"/>
+          </a:fillRef>
+          <a:effectRef idx="0">
+            <a:schemeClr val="accent1"/>
+          </a:effectRef>
+          <a:fontRef idx="minor">
+            <a:schemeClr val="lt1"/>
+          </a:fontRef>
+        </p:style>
+        <p:txBody>
+          <a:bodyPr rtlCol="0" anchor="ctr"/>
+          <a:lstStyle/>
+          <a:p>
+            <a:pPr algn="ctr"/>
+            <a:r>
+              <a:rPr lang="en-US" dirty="0" smtClean="0"/>
+              <a:t>Thông tin ông A cần gửi đi</a:t>
+            </a:r>
+            <a:endParaRPr lang="en-US" dirty="0"/>
+          </a:p>
+        </p:txBody>
+      </p:sp>
+      <p:cxnSp>
+        <p:nvCxnSpPr>
+          <p:cNvPr id="8" name="Straight Arrow Connector 7"/>
+          <p:cNvCxnSpPr>
+            <a:stCxn id="6" idx="3"/>
+            <a:endCxn id="5" idx="4"/>
+          </p:cNvCxnSpPr>
+          <p:nvPr/>
+        </p:nvCxnSpPr>
+        <p:spPr>
+          <a:xfrm flipV="1">
+            <a:off x="3200400" y="5007657"/>
+            <a:ext cx="457195" cy="21543"/>
+          </a:xfrm>
+          <a:prstGeom prst="straightConnector1">
+            <a:avLst/>
+          </a:prstGeom>
+          <a:ln>
+            <a:tailEnd type="arrow"/>
+          </a:ln>
+        </p:spPr>
+        <p:style>
+          <a:lnRef idx="2">
+            <a:schemeClr val="accent2"/>
+          </a:lnRef>
+          <a:fillRef idx="0">
+            <a:schemeClr val="accent2"/>
+          </a:fillRef>
+          <a:effectRef idx="1">
+            <a:schemeClr val="accent2"/>
+          </a:effectRef>
+          <a:fontRef idx="minor">
+            <a:schemeClr val="tx1"/>
+          </a:fontRef>
+        </p:style>
+      </p:cxnSp>
+      <p:cxnSp>
+        <p:nvCxnSpPr>
+          <p:cNvPr id="16" name="Straight Arrow Connector 15"/>
+          <p:cNvCxnSpPr>
+            <a:stCxn id="5" idx="1"/>
+            <a:endCxn id="4" idx="1"/>
+          </p:cNvCxnSpPr>
+          <p:nvPr/>
+        </p:nvCxnSpPr>
+        <p:spPr>
+          <a:xfrm flipV="1">
+            <a:off x="5562605" y="4953000"/>
+            <a:ext cx="457195" cy="54657"/>
+          </a:xfrm>
+          <a:prstGeom prst="straightConnector1">
+            <a:avLst/>
+          </a:prstGeom>
+          <a:ln>
+            <a:tailEnd type="arrow"/>
+          </a:ln>
+        </p:spPr>
+        <p:style>
+          <a:lnRef idx="2">
+            <a:schemeClr val="accent2"/>
+          </a:lnRef>
+          <a:fillRef idx="0">
+            <a:schemeClr val="accent2"/>
+          </a:fillRef>
+          <a:effectRef idx="1">
+            <a:schemeClr val="accent2"/>
+          </a:effectRef>
+          <a:fontRef idx="minor">
+            <a:schemeClr val="tx1"/>
+          </a:fontRef>
+        </p:style>
+      </p:cxnSp>
+    </p:spTree>
+  </p:cSld>
+  <p:clrMapOvr>
+    <a:masterClrMapping/>
+  </p:clrMapOvr>
+  <p:timing>
+    <p:tnLst>
+      <p:par>
+        <p:cTn id="1" dur="indefinite" restart="never" nodeType="tmRoot"/>
+      </p:par>
+    </p:tnLst>
+  </p:timing>
+</p:sld>
+</file>
+
+<file path=ppt/slides/slide5.xml><?xml version="1.0" encoding="utf-8"?>
+<p:sld xmlns:a="http://schemas.openxmlformats.org/drawingml/2006/main" xmlns:r="http://schemas.openxmlformats.org/officeDocument/2006/relationships" xmlns:p="http://schemas.openxmlformats.org/presentationml/2006/main">
+  <p:cSld>
+    <p:spTree>
+      <p:nvGrpSpPr>
+        <p:cNvPr id="1" name=""/>
+        <p:cNvGrpSpPr/>
+        <p:nvPr/>
+      </p:nvGrpSpPr>
+      <p:grpSpPr>
+        <a:xfrm>
+          <a:off x="0" y="0"/>
+          <a:ext cx="0" cy="0"/>
+          <a:chOff x="0" y="0"/>
+          <a:chExt cx="0" cy="0"/>
+        </a:xfrm>
+      </p:grpSpPr>
+      <p:sp>
+        <p:nvSpPr>
+          <p:cNvPr id="2" name="Content Placeholder 1"/>
+          <p:cNvSpPr>
+            <a:spLocks noGrp="1"/>
+          </p:cNvSpPr>
+          <p:nvPr>
+            <p:ph idx="1"/>
+          </p:nvPr>
+        </p:nvSpPr>
         <p:spPr>
           <a:xfrm>
             <a:off x="457200" y="533400"/>
@@ -4897,10 +5005,17 @@
   <p:clrMapOvr>
     <a:masterClrMapping/>
   </p:clrMapOvr>
+  <p:timing>
+    <p:tnLst>
+      <p:par>
+        <p:cTn id="1" dur="indefinite" restart="never" nodeType="tmRoot"/>
+      </p:par>
+    </p:tnLst>
+  </p:timing>
 </p:sld>
 </file>
 
-<file path=ppt/slides/slide5.xml><?xml version="1.0" encoding="utf-8"?>
+<file path=ppt/slides/slide6.xml><?xml version="1.0" encoding="utf-8"?>
 <p:sld xmlns:a="http://schemas.openxmlformats.org/drawingml/2006/main" xmlns:r="http://schemas.openxmlformats.org/officeDocument/2006/relationships" xmlns:p="http://schemas.openxmlformats.org/presentationml/2006/main">
   <p:cSld>
     <p:spTree>
@@ -4927,34 +5042,892 @@
             <p:ph idx="1"/>
           </p:nvPr>
         </p:nvSpPr>
+        <p:spPr>
+          <a:xfrm>
+            <a:off x="457200" y="533400"/>
+            <a:ext cx="8229600" cy="5562600"/>
+          </a:xfrm>
+        </p:spPr>
+        <p:txBody>
+          <a:bodyPr>
+            <a:normAutofit lnSpcReduction="10000"/>
+          </a:bodyPr>
+          <a:lstStyle/>
+          <a:p>
+            <a:pPr marL="738188" lvl="1" indent="-371475">
+              <a:buFont typeface="Arial" pitchFamily="34" charset="0"/>
+              <a:buChar char="-"/>
+            </a:pPr>
+            <a:r>
+              <a:rPr lang="en-US" dirty="0" smtClean="0">
+                <a:latin typeface="Arial" pitchFamily="34" charset="0"/>
+                <a:cs typeface="Arial" pitchFamily="34" charset="0"/>
+              </a:rPr>
+              <a:t>Với sự phát triển vượt bậc trong ngành khoa học mật mã hiện nay, có rất nhiều hệ mã hóa ra đời đánh dấu cho bước đột phá trong việc bảo mật cho hệ thống thông tin. </a:t>
+            </a:r>
+            <a:r>
+              <a:rPr lang="en-US" dirty="0" smtClean="0">
+                <a:latin typeface="Arial" pitchFamily="34" charset="0"/>
+                <a:cs typeface="Arial" pitchFamily="34" charset="0"/>
+              </a:rPr>
+              <a:t>Tuy nhiều như thế nhưng hệ mã hóa được chia thành 2 loại chính:</a:t>
+            </a:r>
+          </a:p>
+          <a:p>
+            <a:pPr marL="1195388" lvl="2" indent="-463550">
+              <a:buFont typeface="Arial" pitchFamily="34" charset="0"/>
+              <a:buChar char="•"/>
+            </a:pPr>
+            <a:r>
+              <a:rPr lang="en-US" sz="2400" dirty="0" smtClean="0">
+                <a:latin typeface="Arial" pitchFamily="34" charset="0"/>
+                <a:cs typeface="Arial" pitchFamily="34" charset="0"/>
+              </a:rPr>
+              <a:t>Hệ mã hóa đối xứng</a:t>
+            </a:r>
+          </a:p>
+          <a:p>
+            <a:pPr marL="1195388" lvl="2" indent="-463550">
+              <a:buFont typeface="Arial" pitchFamily="34" charset="0"/>
+              <a:buChar char="•"/>
+            </a:pPr>
+            <a:r>
+              <a:rPr lang="en-US" sz="2400" dirty="0" smtClean="0">
+                <a:latin typeface="Arial" pitchFamily="34" charset="0"/>
+                <a:cs typeface="Arial" pitchFamily="34" charset="0"/>
+              </a:rPr>
+              <a:t>Hệ mã hóa bất đối xứng (hay còn gọi là hệ mã hóa công khai)</a:t>
+            </a:r>
+            <a:endParaRPr lang="en-US" sz="2400" dirty="0" smtClean="0">
+              <a:latin typeface="Arial" pitchFamily="34" charset="0"/>
+              <a:cs typeface="Arial" pitchFamily="34" charset="0"/>
+            </a:endParaRPr>
+          </a:p>
+          <a:p>
+            <a:pPr marL="693738" lvl="2" indent="-463550">
+              <a:buFont typeface="Arial" pitchFamily="34" charset="0"/>
+              <a:buChar char="-"/>
+            </a:pPr>
+            <a:r>
+              <a:rPr lang="en-US" sz="2400" dirty="0" smtClean="0">
+                <a:latin typeface="Arial" pitchFamily="34" charset="0"/>
+                <a:cs typeface="Arial" pitchFamily="34" charset="0"/>
+              </a:rPr>
+              <a:t>Trong đề tài này chúng ta sẽ tìm hiểu về hệ mã hóa công khai, đây là loại mã hóa hiện đại, dữ liệu được mã hóa khó có thể bị giải mã bởi bên thứ 3, đảm bảo tính bí mật và toàn vẹn của dữ liệu. Được ứng dụng rộng rãi trong giao dịch điện tử như bitcoin, giao dịch ngân hàng... </a:t>
+            </a:r>
+            <a:r>
+              <a:rPr lang="en-US" sz="2400" dirty="0" smtClean="0">
+                <a:latin typeface="Arial" pitchFamily="34" charset="0"/>
+                <a:cs typeface="Arial" pitchFamily="34" charset="0"/>
+              </a:rPr>
+              <a:t>v</a:t>
+            </a:r>
+            <a:r>
+              <a:rPr lang="en-US" sz="2400" dirty="0" smtClean="0">
+                <a:latin typeface="Arial" pitchFamily="34" charset="0"/>
+                <a:cs typeface="Arial" pitchFamily="34" charset="0"/>
+              </a:rPr>
+              <a:t>à là nền tảng của kĩ thuật chữ kí điện tử, hệ thông PKI...</a:t>
+            </a:r>
+            <a:endParaRPr lang="en-US" sz="2400" dirty="0">
+              <a:latin typeface="Arial" pitchFamily="34" charset="0"/>
+              <a:cs typeface="Arial" pitchFamily="34" charset="0"/>
+            </a:endParaRPr>
+          </a:p>
+        </p:txBody>
+      </p:sp>
+    </p:spTree>
+  </p:cSld>
+  <p:clrMapOvr>
+    <a:masterClrMapping/>
+  </p:clrMapOvr>
+  <p:timing>
+    <p:tnLst>
+      <p:par>
+        <p:cTn id="1" dur="indefinite" restart="never" nodeType="tmRoot"/>
+      </p:par>
+    </p:tnLst>
+  </p:timing>
+</p:sld>
+</file>
+
+<file path=ppt/slides/slide7.xml><?xml version="1.0" encoding="utf-8"?>
+<p:sld xmlns:a="http://schemas.openxmlformats.org/drawingml/2006/main" xmlns:r="http://schemas.openxmlformats.org/officeDocument/2006/relationships" xmlns:p="http://schemas.openxmlformats.org/presentationml/2006/main">
+  <p:cSld>
+    <p:spTree>
+      <p:nvGrpSpPr>
+        <p:cNvPr id="1" name=""/>
+        <p:cNvGrpSpPr/>
+        <p:nvPr/>
+      </p:nvGrpSpPr>
+      <p:grpSpPr>
+        <a:xfrm>
+          <a:off x="0" y="0"/>
+          <a:ext cx="0" cy="0"/>
+          <a:chOff x="0" y="0"/>
+          <a:chExt cx="0" cy="0"/>
+        </a:xfrm>
+      </p:grpSpPr>
+      <p:sp>
+        <p:nvSpPr>
+          <p:cNvPr id="3" name="Title 2"/>
+          <p:cNvSpPr>
+            <a:spLocks noGrp="1"/>
+          </p:cNvSpPr>
+          <p:nvPr>
+            <p:ph type="title"/>
+          </p:nvPr>
+        </p:nvSpPr>
+        <p:spPr>
+          <a:xfrm>
+            <a:off x="457200" y="2590800"/>
+            <a:ext cx="8229600" cy="1219200"/>
+          </a:xfrm>
+        </p:spPr>
+        <p:txBody>
+          <a:bodyPr anchor="ctr"/>
+          <a:lstStyle/>
+          <a:p>
+            <a:pPr algn="ctr"/>
+            <a:r>
+              <a:rPr lang="en-US" dirty="0" smtClean="0">
+                <a:solidFill>
+                  <a:srgbClr val="FF0000"/>
+                </a:solidFill>
+              </a:rPr>
+              <a:t>HỆ MÃ HÓA CÔNG KHAI</a:t>
+            </a:r>
+            <a:endParaRPr lang="en-US" dirty="0">
+              <a:solidFill>
+                <a:srgbClr val="FF0000"/>
+              </a:solidFill>
+            </a:endParaRPr>
+          </a:p>
+        </p:txBody>
+      </p:sp>
+    </p:spTree>
+  </p:cSld>
+  <p:clrMapOvr>
+    <a:masterClrMapping/>
+  </p:clrMapOvr>
+  <p:timing>
+    <p:tnLst>
+      <p:par>
+        <p:cTn id="1" dur="indefinite" restart="never" nodeType="tmRoot"/>
+      </p:par>
+    </p:tnLst>
+  </p:timing>
+</p:sld>
+</file>
+
+<file path=ppt/slides/slide8.xml><?xml version="1.0" encoding="utf-8"?>
+<p:sld xmlns:a="http://schemas.openxmlformats.org/drawingml/2006/main" xmlns:r="http://schemas.openxmlformats.org/officeDocument/2006/relationships" xmlns:p="http://schemas.openxmlformats.org/presentationml/2006/main">
+  <p:cSld>
+    <p:spTree>
+      <p:nvGrpSpPr>
+        <p:cNvPr id="1" name=""/>
+        <p:cNvGrpSpPr/>
+        <p:nvPr/>
+      </p:nvGrpSpPr>
+      <p:grpSpPr>
+        <a:xfrm>
+          <a:off x="0" y="0"/>
+          <a:ext cx="0" cy="0"/>
+          <a:chOff x="0" y="0"/>
+          <a:chExt cx="0" cy="0"/>
+        </a:xfrm>
+      </p:grpSpPr>
+      <p:sp>
+        <p:nvSpPr>
+          <p:cNvPr id="2" name="Content Placeholder 1"/>
+          <p:cNvSpPr>
+            <a:spLocks noGrp="1"/>
+          </p:cNvSpPr>
+          <p:nvPr>
+            <p:ph idx="1"/>
+          </p:nvPr>
+        </p:nvSpPr>
         <p:spPr/>
         <p:txBody>
+          <a:bodyPr>
+            <a:normAutofit/>
+          </a:bodyPr>
+          <a:lstStyle/>
+          <a:p>
+            <a:pPr marL="880110" lvl="1" indent="-514350">
+              <a:buFont typeface="+mj-lt"/>
+              <a:buAutoNum type="arabicPeriod"/>
+            </a:pPr>
+            <a:r>
+              <a:rPr lang="en-US" dirty="0" smtClean="0">
+                <a:solidFill>
+                  <a:schemeClr val="tx1"/>
+                </a:solidFill>
+                <a:latin typeface="Arial" pitchFamily="34" charset="0"/>
+                <a:cs typeface="Arial" pitchFamily="34" charset="0"/>
+              </a:rPr>
+              <a:t>L</a:t>
+            </a:r>
+            <a:r>
+              <a:rPr lang="en-US" dirty="0" smtClean="0">
+                <a:solidFill>
+                  <a:schemeClr val="tx1"/>
+                </a:solidFill>
+                <a:latin typeface="Arial" pitchFamily="34" charset="0"/>
+                <a:cs typeface="Arial" pitchFamily="34" charset="0"/>
+              </a:rPr>
+              <a:t>ịch sử ra đời</a:t>
+            </a:r>
+          </a:p>
+          <a:p>
+            <a:pPr marL="1190625" lvl="1" indent="-514350">
+              <a:buFont typeface="Arial" pitchFamily="34" charset="0"/>
+              <a:buChar char="-"/>
+            </a:pPr>
+            <a:r>
+              <a:rPr lang="en-US" sz="2000" dirty="0" smtClean="0">
+                <a:solidFill>
+                  <a:schemeClr val="tx1"/>
+                </a:solidFill>
+                <a:latin typeface="Arial" pitchFamily="34" charset="0"/>
+                <a:cs typeface="Arial" pitchFamily="34" charset="0"/>
+              </a:rPr>
+              <a:t>Vào đầu những năm 1970, giai đoạn mà thuật ngữ “Internet” xuất hiện, đang trong quá trinh hình thành và trên đà phát triển mạnh. Nhu cầu trao đổi thông tin thông qua internet ngày càng gia tăng bởi tính tiện lợi và nhanh chóng, đương nhiên các thông tin quan trọng được truyền qua internet đòi hỏi phải được đảm bảo tính bí mật và toàn vẹn. Lúc bấy giờ, theo lý thuyết thì chỉ có một loại mã hóa đảm bảo được điều này đó là mã hóa bí mật (thuộc hệ mã hóa đối xứng). Song, khi áp dụng loại mã hóa này trong môi trường internet thì nó đã phá vỡ đi các yếu tố của bảo mật thông tin.</a:t>
+            </a:r>
+          </a:p>
+          <a:p>
+            <a:pPr marL="1190625" lvl="1" indent="-514350">
+              <a:buFont typeface="Arial" pitchFamily="34" charset="0"/>
+              <a:buChar char="-"/>
+            </a:pPr>
+            <a:r>
+              <a:rPr lang="en-US" sz="2000" dirty="0" smtClean="0">
+                <a:solidFill>
+                  <a:schemeClr val="tx1"/>
+                </a:solidFill>
+                <a:latin typeface="Arial" pitchFamily="34" charset="0"/>
+                <a:cs typeface="Arial" pitchFamily="34" charset="0"/>
+              </a:rPr>
+              <a:t>Sau đây là nguyên nhân mà hệ mã hóa bí mật không đảm bảo tính bảo mật trong môi trường internet:</a:t>
+            </a:r>
+            <a:endParaRPr lang="en-US" sz="2000" dirty="0">
+              <a:solidFill>
+                <a:schemeClr val="tx1"/>
+              </a:solidFill>
+              <a:latin typeface="Arial" pitchFamily="34" charset="0"/>
+              <a:cs typeface="Arial" pitchFamily="34" charset="0"/>
+            </a:endParaRPr>
+          </a:p>
+        </p:txBody>
+      </p:sp>
+      <p:sp>
+        <p:nvSpPr>
+          <p:cNvPr id="3" name="Title 2"/>
+          <p:cNvSpPr>
+            <a:spLocks noGrp="1"/>
+          </p:cNvSpPr>
+          <p:nvPr>
+            <p:ph type="title"/>
+          </p:nvPr>
+        </p:nvSpPr>
+        <p:spPr/>
+        <p:txBody>
           <a:bodyPr/>
           <a:lstStyle/>
           <a:p>
-            <a:endParaRPr lang="en-US"/>
-          </a:p>
-        </p:txBody>
-      </p:sp>
-      <p:sp>
-        <p:nvSpPr>
-          <p:cNvPr id="3" name="Title 2"/>
-          <p:cNvSpPr>
-            <a:spLocks noGrp="1"/>
-          </p:cNvSpPr>
-          <p:nvPr>
-            <p:ph type="title"/>
-          </p:nvPr>
-        </p:nvSpPr>
-        <p:spPr/>
-        <p:txBody>
-          <a:bodyPr/>
-          <a:lstStyle/>
-          <a:p>
-            <a:endParaRPr lang="en-US"/>
-          </a:p>
-        </p:txBody>
-      </p:sp>
+            <a:r>
+              <a:rPr lang="en-US" dirty="0" smtClean="0"/>
+              <a:t>HỆ MÃ HÓA CÔNG KHAI</a:t>
+            </a:r>
+            <a:endParaRPr lang="en-US" dirty="0"/>
+          </a:p>
+        </p:txBody>
+      </p:sp>
+    </p:spTree>
+  </p:cSld>
+  <p:clrMapOvr>
+    <a:masterClrMapping/>
+  </p:clrMapOvr>
+</p:sld>
+</file>
+
+<file path=ppt/slides/slide9.xml><?xml version="1.0" encoding="utf-8"?>
+<p:sld xmlns:a="http://schemas.openxmlformats.org/drawingml/2006/main" xmlns:r="http://schemas.openxmlformats.org/officeDocument/2006/relationships" xmlns:p="http://schemas.openxmlformats.org/presentationml/2006/main">
+  <p:cSld>
+    <p:spTree>
+      <p:nvGrpSpPr>
+        <p:cNvPr id="1" name=""/>
+        <p:cNvGrpSpPr/>
+        <p:nvPr/>
+      </p:nvGrpSpPr>
+      <p:grpSpPr>
+        <a:xfrm>
+          <a:off x="0" y="0"/>
+          <a:ext cx="0" cy="0"/>
+          <a:chOff x="0" y="0"/>
+          <a:chExt cx="0" cy="0"/>
+        </a:xfrm>
+      </p:grpSpPr>
+      <p:sp>
+        <p:nvSpPr>
+          <p:cNvPr id="2" name="Content Placeholder 1"/>
+          <p:cNvSpPr>
+            <a:spLocks noGrp="1"/>
+          </p:cNvSpPr>
+          <p:nvPr>
+            <p:ph idx="1"/>
+          </p:nvPr>
+        </p:nvSpPr>
+        <p:spPr>
+          <a:xfrm>
+            <a:off x="457200" y="3505200"/>
+            <a:ext cx="8229600" cy="2743200"/>
+          </a:xfrm>
+        </p:spPr>
+        <p:txBody>
+          <a:bodyPr>
+            <a:normAutofit lnSpcReduction="10000"/>
+          </a:bodyPr>
+          <a:lstStyle/>
+          <a:p>
+            <a:pPr>
+              <a:buFont typeface="Constantia" pitchFamily="18" charset="0"/>
+              <a:buChar char="-"/>
+            </a:pPr>
+            <a:r>
+              <a:rPr lang="en-US" dirty="0" smtClean="0"/>
+              <a:t>Về nguyên tắc thì hacker dù có bắt được bản mã của ông A mà không có khóa bí mật thì cũng không thể nào giải mã bản mã để ra bản rõ được.</a:t>
+            </a:r>
+          </a:p>
+          <a:p>
+            <a:pPr>
+              <a:buFont typeface="Constantia" pitchFamily="18" charset="0"/>
+              <a:buChar char="-"/>
+            </a:pPr>
+            <a:r>
+              <a:rPr lang="en-US" dirty="0" smtClean="0"/>
+              <a:t>Vấn đề đặt ra ở đây là ông A phải chia sẻ khóa bí mật cho ông B. Nếu gửi thông qua internet thì sẽ bị bên thứ ba (hacker) bắt được khóa và lúc này thông điệp sẽ bị giải mã.</a:t>
+            </a:r>
+          </a:p>
+        </p:txBody>
+      </p:sp>
+      <p:sp>
+        <p:nvSpPr>
+          <p:cNvPr id="4" name="Rectangle 3"/>
+          <p:cNvSpPr/>
+          <p:nvPr/>
+        </p:nvSpPr>
+        <p:spPr>
+          <a:xfrm>
+            <a:off x="609600" y="457200"/>
+            <a:ext cx="1447800" cy="1447800"/>
+          </a:xfrm>
+          <a:prstGeom prst="rect">
+            <a:avLst/>
+          </a:prstGeom>
+        </p:spPr>
+        <p:style>
+          <a:lnRef idx="2">
+            <a:schemeClr val="accent1">
+              <a:shade val="50000"/>
+            </a:schemeClr>
+          </a:lnRef>
+          <a:fillRef idx="1">
+            <a:schemeClr val="accent1"/>
+          </a:fillRef>
+          <a:effectRef idx="0">
+            <a:schemeClr val="accent1"/>
+          </a:effectRef>
+          <a:fontRef idx="minor">
+            <a:schemeClr val="lt1"/>
+          </a:fontRef>
+        </p:style>
+        <p:txBody>
+          <a:bodyPr rtlCol="0" anchor="ctr"/>
+          <a:lstStyle/>
+          <a:p>
+            <a:pPr algn="ctr"/>
+            <a:r>
+              <a:rPr lang="en-US" dirty="0" smtClean="0"/>
+              <a:t>Thông điêp của ông A</a:t>
+            </a:r>
+            <a:endParaRPr lang="en-US" dirty="0"/>
+          </a:p>
+        </p:txBody>
+      </p:sp>
+      <p:sp>
+        <p:nvSpPr>
+          <p:cNvPr id="5" name="Explosion 1 4"/>
+          <p:cNvSpPr/>
+          <p:nvPr/>
+        </p:nvSpPr>
+        <p:spPr>
+          <a:xfrm>
+            <a:off x="4038600" y="457200"/>
+            <a:ext cx="1828800" cy="1371600"/>
+          </a:xfrm>
+          <a:prstGeom prst="irregularSeal1">
+            <a:avLst/>
+          </a:prstGeom>
+        </p:spPr>
+        <p:style>
+          <a:lnRef idx="2">
+            <a:schemeClr val="accent1">
+              <a:shade val="50000"/>
+            </a:schemeClr>
+          </a:lnRef>
+          <a:fillRef idx="1">
+            <a:schemeClr val="accent1"/>
+          </a:fillRef>
+          <a:effectRef idx="0">
+            <a:schemeClr val="accent1"/>
+          </a:effectRef>
+          <a:fontRef idx="minor">
+            <a:schemeClr val="lt1"/>
+          </a:fontRef>
+        </p:style>
+        <p:txBody>
+          <a:bodyPr rtlCol="0" anchor="ctr"/>
+          <a:lstStyle/>
+          <a:p>
+            <a:pPr algn="ctr"/>
+            <a:r>
+              <a:rPr lang="en-US" dirty="0" smtClean="0"/>
+              <a:t>Internet</a:t>
+            </a:r>
+            <a:endParaRPr lang="en-US" dirty="0"/>
+          </a:p>
+        </p:txBody>
+      </p:sp>
+      <p:sp>
+        <p:nvSpPr>
+          <p:cNvPr id="6" name="Rectangle 5"/>
+          <p:cNvSpPr/>
+          <p:nvPr/>
+        </p:nvSpPr>
+        <p:spPr>
+          <a:xfrm>
+            <a:off x="7620000" y="457200"/>
+            <a:ext cx="1143000" cy="1524000"/>
+          </a:xfrm>
+          <a:prstGeom prst="rect">
+            <a:avLst/>
+          </a:prstGeom>
+        </p:spPr>
+        <p:style>
+          <a:lnRef idx="2">
+            <a:schemeClr val="accent1">
+              <a:shade val="50000"/>
+            </a:schemeClr>
+          </a:lnRef>
+          <a:fillRef idx="1">
+            <a:schemeClr val="accent1"/>
+          </a:fillRef>
+          <a:effectRef idx="0">
+            <a:schemeClr val="accent1"/>
+          </a:effectRef>
+          <a:fontRef idx="minor">
+            <a:schemeClr val="lt1"/>
+          </a:fontRef>
+        </p:style>
+        <p:txBody>
+          <a:bodyPr rtlCol="0" anchor="ctr"/>
+          <a:lstStyle/>
+          <a:p>
+            <a:pPr algn="ctr"/>
+            <a:r>
+              <a:rPr lang="en-US" dirty="0" smtClean="0"/>
+              <a:t>Thông điệp nhận được từ ông A</a:t>
+            </a:r>
+            <a:endParaRPr lang="en-US" dirty="0"/>
+          </a:p>
+        </p:txBody>
+      </p:sp>
+      <p:sp>
+        <p:nvSpPr>
+          <p:cNvPr id="7" name="Rounded Rectangle 6"/>
+          <p:cNvSpPr/>
+          <p:nvPr/>
+        </p:nvSpPr>
+        <p:spPr>
+          <a:xfrm>
+            <a:off x="2438400" y="533400"/>
+            <a:ext cx="1295400" cy="1295400"/>
+          </a:xfrm>
+          <a:prstGeom prst="roundRect">
+            <a:avLst/>
+          </a:prstGeom>
+        </p:spPr>
+        <p:style>
+          <a:lnRef idx="2">
+            <a:schemeClr val="accent1">
+              <a:shade val="50000"/>
+            </a:schemeClr>
+          </a:lnRef>
+          <a:fillRef idx="1">
+            <a:schemeClr val="accent1"/>
+          </a:fillRef>
+          <a:effectRef idx="0">
+            <a:schemeClr val="accent1"/>
+          </a:effectRef>
+          <a:fontRef idx="minor">
+            <a:schemeClr val="lt1"/>
+          </a:fontRef>
+        </p:style>
+        <p:txBody>
+          <a:bodyPr rtlCol="0" anchor="ctr"/>
+          <a:lstStyle/>
+          <a:p>
+            <a:pPr algn="ctr"/>
+            <a:r>
+              <a:rPr lang="en-US" dirty="0" smtClean="0"/>
+              <a:t>Mã hóa</a:t>
+            </a:r>
+            <a:endParaRPr lang="en-US" dirty="0"/>
+          </a:p>
+        </p:txBody>
+      </p:sp>
+      <p:cxnSp>
+        <p:nvCxnSpPr>
+          <p:cNvPr id="12" name="Straight Arrow Connector 11"/>
+          <p:cNvCxnSpPr>
+            <a:stCxn id="4" idx="3"/>
+            <a:endCxn id="7" idx="1"/>
+          </p:cNvCxnSpPr>
+          <p:nvPr/>
+        </p:nvCxnSpPr>
+        <p:spPr>
+          <a:xfrm>
+            <a:off x="2057400" y="1181100"/>
+            <a:ext cx="381000" cy="0"/>
+          </a:xfrm>
+          <a:prstGeom prst="straightConnector1">
+            <a:avLst/>
+          </a:prstGeom>
+          <a:ln>
+            <a:tailEnd type="arrow"/>
+          </a:ln>
+        </p:spPr>
+        <p:style>
+          <a:lnRef idx="2">
+            <a:schemeClr val="accent2"/>
+          </a:lnRef>
+          <a:fillRef idx="0">
+            <a:schemeClr val="accent2"/>
+          </a:fillRef>
+          <a:effectRef idx="1">
+            <a:schemeClr val="accent2"/>
+          </a:effectRef>
+          <a:fontRef idx="minor">
+            <a:schemeClr val="tx1"/>
+          </a:fontRef>
+        </p:style>
+      </p:cxnSp>
+      <p:cxnSp>
+        <p:nvCxnSpPr>
+          <p:cNvPr id="16" name="Straight Arrow Connector 15"/>
+          <p:cNvCxnSpPr>
+            <a:stCxn id="7" idx="3"/>
+            <a:endCxn id="5" idx="1"/>
+          </p:cNvCxnSpPr>
+          <p:nvPr/>
+        </p:nvCxnSpPr>
+        <p:spPr>
+          <a:xfrm flipV="1">
+            <a:off x="3733800" y="1004253"/>
+            <a:ext cx="304800" cy="176847"/>
+          </a:xfrm>
+          <a:prstGeom prst="straightConnector1">
+            <a:avLst/>
+          </a:prstGeom>
+          <a:ln>
+            <a:tailEnd type="arrow"/>
+          </a:ln>
+        </p:spPr>
+        <p:style>
+          <a:lnRef idx="2">
+            <a:schemeClr val="accent2"/>
+          </a:lnRef>
+          <a:fillRef idx="0">
+            <a:schemeClr val="accent2"/>
+          </a:fillRef>
+          <a:effectRef idx="1">
+            <a:schemeClr val="accent2"/>
+          </a:effectRef>
+          <a:fontRef idx="minor">
+            <a:schemeClr val="tx1"/>
+          </a:fontRef>
+        </p:style>
+      </p:cxnSp>
+      <p:sp>
+        <p:nvSpPr>
+          <p:cNvPr id="48" name="Rounded Rectangle 47"/>
+          <p:cNvSpPr/>
+          <p:nvPr/>
+        </p:nvSpPr>
+        <p:spPr>
+          <a:xfrm>
+            <a:off x="6172200" y="533400"/>
+            <a:ext cx="1066800" cy="1295400"/>
+          </a:xfrm>
+          <a:prstGeom prst="roundRect">
+            <a:avLst/>
+          </a:prstGeom>
+        </p:spPr>
+        <p:style>
+          <a:lnRef idx="2">
+            <a:schemeClr val="accent1">
+              <a:shade val="50000"/>
+            </a:schemeClr>
+          </a:lnRef>
+          <a:fillRef idx="1">
+            <a:schemeClr val="accent1"/>
+          </a:fillRef>
+          <a:effectRef idx="0">
+            <a:schemeClr val="accent1"/>
+          </a:effectRef>
+          <a:fontRef idx="minor">
+            <a:schemeClr val="lt1"/>
+          </a:fontRef>
+        </p:style>
+        <p:txBody>
+          <a:bodyPr rtlCol="0" anchor="ctr"/>
+          <a:lstStyle/>
+          <a:p>
+            <a:pPr algn="ctr"/>
+            <a:r>
+              <a:rPr lang="en-US" dirty="0" smtClean="0"/>
+              <a:t>Giải mã</a:t>
+            </a:r>
+            <a:endParaRPr lang="en-US" dirty="0"/>
+          </a:p>
+        </p:txBody>
+      </p:sp>
+      <p:sp>
+        <p:nvSpPr>
+          <p:cNvPr id="53" name="Oval 52"/>
+          <p:cNvSpPr/>
+          <p:nvPr/>
+        </p:nvSpPr>
+        <p:spPr>
+          <a:xfrm>
+            <a:off x="2286000" y="2362200"/>
+            <a:ext cx="1524000" cy="914400"/>
+          </a:xfrm>
+          <a:prstGeom prst="ellipse">
+            <a:avLst/>
+          </a:prstGeom>
+        </p:spPr>
+        <p:style>
+          <a:lnRef idx="2">
+            <a:schemeClr val="accent1">
+              <a:shade val="50000"/>
+            </a:schemeClr>
+          </a:lnRef>
+          <a:fillRef idx="1">
+            <a:schemeClr val="accent1"/>
+          </a:fillRef>
+          <a:effectRef idx="0">
+            <a:schemeClr val="accent1"/>
+          </a:effectRef>
+          <a:fontRef idx="minor">
+            <a:schemeClr val="lt1"/>
+          </a:fontRef>
+        </p:style>
+        <p:txBody>
+          <a:bodyPr rtlCol="0" anchor="ctr"/>
+          <a:lstStyle/>
+          <a:p>
+            <a:pPr algn="ctr"/>
+            <a:r>
+              <a:rPr lang="en-US" dirty="0" smtClean="0"/>
+              <a:t>Khóa bí mật</a:t>
+            </a:r>
+            <a:endParaRPr lang="en-US" dirty="0"/>
+          </a:p>
+        </p:txBody>
+      </p:sp>
+      <p:sp>
+        <p:nvSpPr>
+          <p:cNvPr id="54" name="Oval 53"/>
+          <p:cNvSpPr/>
+          <p:nvPr/>
+        </p:nvSpPr>
+        <p:spPr>
+          <a:xfrm>
+            <a:off x="6019800" y="2286000"/>
+            <a:ext cx="1524000" cy="914400"/>
+          </a:xfrm>
+          <a:prstGeom prst="ellipse">
+            <a:avLst/>
+          </a:prstGeom>
+        </p:spPr>
+        <p:style>
+          <a:lnRef idx="2">
+            <a:schemeClr val="accent1">
+              <a:shade val="50000"/>
+            </a:schemeClr>
+          </a:lnRef>
+          <a:fillRef idx="1">
+            <a:schemeClr val="accent1"/>
+          </a:fillRef>
+          <a:effectRef idx="0">
+            <a:schemeClr val="accent1"/>
+          </a:effectRef>
+          <a:fontRef idx="minor">
+            <a:schemeClr val="lt1"/>
+          </a:fontRef>
+        </p:style>
+        <p:txBody>
+          <a:bodyPr rtlCol="0" anchor="ctr"/>
+          <a:lstStyle/>
+          <a:p>
+            <a:pPr algn="ctr"/>
+            <a:r>
+              <a:rPr lang="en-US" dirty="0" smtClean="0"/>
+              <a:t>Khóa bí mật</a:t>
+            </a:r>
+            <a:endParaRPr lang="en-US" dirty="0"/>
+          </a:p>
+        </p:txBody>
+      </p:sp>
+      <p:cxnSp>
+        <p:nvCxnSpPr>
+          <p:cNvPr id="56" name="Straight Arrow Connector 55"/>
+          <p:cNvCxnSpPr>
+            <a:endCxn id="48" idx="1"/>
+          </p:cNvCxnSpPr>
+          <p:nvPr/>
+        </p:nvCxnSpPr>
+        <p:spPr>
+          <a:xfrm>
+            <a:off x="5715000" y="914400"/>
+            <a:ext cx="457200" cy="266700"/>
+          </a:xfrm>
+          <a:prstGeom prst="straightConnector1">
+            <a:avLst/>
+          </a:prstGeom>
+          <a:ln>
+            <a:tailEnd type="arrow"/>
+          </a:ln>
+        </p:spPr>
+        <p:style>
+          <a:lnRef idx="2">
+            <a:schemeClr val="accent2"/>
+          </a:lnRef>
+          <a:fillRef idx="0">
+            <a:schemeClr val="accent2"/>
+          </a:fillRef>
+          <a:effectRef idx="1">
+            <a:schemeClr val="accent2"/>
+          </a:effectRef>
+          <a:fontRef idx="minor">
+            <a:schemeClr val="tx1"/>
+          </a:fontRef>
+        </p:style>
+      </p:cxnSp>
+      <p:cxnSp>
+        <p:nvCxnSpPr>
+          <p:cNvPr id="58" name="Straight Arrow Connector 57"/>
+          <p:cNvCxnSpPr>
+            <a:stCxn id="48" idx="3"/>
+            <a:endCxn id="6" idx="1"/>
+          </p:cNvCxnSpPr>
+          <p:nvPr/>
+        </p:nvCxnSpPr>
+        <p:spPr>
+          <a:xfrm>
+            <a:off x="7239000" y="1181100"/>
+            <a:ext cx="381000" cy="38100"/>
+          </a:xfrm>
+          <a:prstGeom prst="straightConnector1">
+            <a:avLst/>
+          </a:prstGeom>
+          <a:ln>
+            <a:tailEnd type="arrow"/>
+          </a:ln>
+        </p:spPr>
+        <p:style>
+          <a:lnRef idx="2">
+            <a:schemeClr val="accent2"/>
+          </a:lnRef>
+          <a:fillRef idx="0">
+            <a:schemeClr val="accent2"/>
+          </a:fillRef>
+          <a:effectRef idx="1">
+            <a:schemeClr val="accent2"/>
+          </a:effectRef>
+          <a:fontRef idx="minor">
+            <a:schemeClr val="tx1"/>
+          </a:fontRef>
+        </p:style>
+      </p:cxnSp>
+      <p:cxnSp>
+        <p:nvCxnSpPr>
+          <p:cNvPr id="65" name="Straight Connector 64"/>
+          <p:cNvCxnSpPr>
+            <a:stCxn id="53" idx="0"/>
+            <a:endCxn id="7" idx="2"/>
+          </p:cNvCxnSpPr>
+          <p:nvPr/>
+        </p:nvCxnSpPr>
+        <p:spPr>
+          <a:xfrm flipV="1">
+            <a:off x="3048000" y="1828800"/>
+            <a:ext cx="38100" cy="533400"/>
+          </a:xfrm>
+          <a:prstGeom prst="line">
+            <a:avLst/>
+          </a:prstGeom>
+        </p:spPr>
+        <p:style>
+          <a:lnRef idx="2">
+            <a:schemeClr val="accent2"/>
+          </a:lnRef>
+          <a:fillRef idx="0">
+            <a:schemeClr val="accent2"/>
+          </a:fillRef>
+          <a:effectRef idx="1">
+            <a:schemeClr val="accent2"/>
+          </a:effectRef>
+          <a:fontRef idx="minor">
+            <a:schemeClr val="tx1"/>
+          </a:fontRef>
+        </p:style>
+      </p:cxnSp>
+      <p:cxnSp>
+        <p:nvCxnSpPr>
+          <p:cNvPr id="67" name="Straight Connector 66"/>
+          <p:cNvCxnSpPr>
+            <a:stCxn id="54" idx="0"/>
+            <a:endCxn id="48" idx="2"/>
+          </p:cNvCxnSpPr>
+          <p:nvPr/>
+        </p:nvCxnSpPr>
+        <p:spPr>
+          <a:xfrm flipH="1" flipV="1">
+            <a:off x="6705600" y="1828800"/>
+            <a:ext cx="76200" cy="457200"/>
+          </a:xfrm>
+          <a:prstGeom prst="line">
+            <a:avLst/>
+          </a:prstGeom>
+        </p:spPr>
+        <p:style>
+          <a:lnRef idx="2">
+            <a:schemeClr val="accent2"/>
+          </a:lnRef>
+          <a:fillRef idx="0">
+            <a:schemeClr val="accent2"/>
+          </a:fillRef>
+          <a:effectRef idx="1">
+            <a:schemeClr val="accent2"/>
+          </a:effectRef>
+          <a:fontRef idx="minor">
+            <a:schemeClr val="tx1"/>
+          </a:fontRef>
+        </p:style>
+      </p:cxnSp>
     </p:spTree>
   </p:cSld>
   <p:clrMapOvr>

--- a/powerpoint/ATVBMHTTT.pptx
+++ b/powerpoint/ATVBMHTTT.pptx
@@ -15,6 +15,14 @@
     <p:sldId id="263" r:id="rId9"/>
     <p:sldId id="264" r:id="rId10"/>
     <p:sldId id="265" r:id="rId11"/>
+    <p:sldId id="266" r:id="rId12"/>
+    <p:sldId id="267" r:id="rId13"/>
+    <p:sldId id="268" r:id="rId14"/>
+    <p:sldId id="269" r:id="rId15"/>
+    <p:sldId id="270" r:id="rId16"/>
+    <p:sldId id="271" r:id="rId17"/>
+    <p:sldId id="272" r:id="rId18"/>
+    <p:sldId id="273" r:id="rId19"/>
   </p:sldIdLst>
   <p:sldSz cx="9144000" cy="6858000" type="screen4x3"/>
   <p:notesSz cx="6858000" cy="9144000"/>
@@ -113,6 +121,22 @@
       </a:defRPr>
     </a:lvl9pPr>
   </p:defaultTextStyle>
+  <p:extLst>
+    <p:ext uri="{EFAFB233-063F-42B5-8137-9DF3F51BA10A}">
+      <p15:sldGuideLst xmlns:p15="http://schemas.microsoft.com/office/powerpoint/2012/main">
+        <p15:guide id="1" orient="horz" pos="2160">
+          <p15:clr>
+            <a:srgbClr val="A4A3A4"/>
+          </p15:clr>
+        </p15:guide>
+        <p15:guide id="2" pos="2880">
+          <p15:clr>
+            <a:srgbClr val="A4A3A4"/>
+          </p15:clr>
+        </p15:guide>
+      </p15:sldGuideLst>
+    </p:ext>
+  </p:extLst>
 </p:presentation>
 </file>
 
@@ -189,10 +213,9 @@
           </a:lstStyle>
           <a:p>
             <a:r>
-              <a:rPr kumimoji="0" lang="en-US" smtClean="0"/>
+              <a:rPr kumimoji="0" lang="en-US"/>
               <a:t>Click to edit Master subtitle style</a:t>
             </a:r>
-            <a:endParaRPr kumimoji="0" lang="en-US"/>
           </a:p>
         </p:txBody>
       </p:sp>
@@ -247,10 +270,9 @@
           </a:lstStyle>
           <a:p>
             <a:r>
-              <a:rPr kumimoji="0" lang="en-US" smtClean="0"/>
+              <a:rPr kumimoji="0" lang="en-US"/>
               <a:t>Click to edit Master title style</a:t>
             </a:r>
-            <a:endParaRPr kumimoji="0" lang="en-US"/>
           </a:p>
         </p:txBody>
       </p:sp>
@@ -407,7 +429,7 @@
             <a:fld id="{290372C1-F81F-40CF-BA68-460FF6C876BC}" type="datetimeFigureOut">
               <a:rPr lang="en-US" smtClean="0"/>
               <a:pPr/>
-              <a:t>2/19/2023</a:t>
+              <a:t>2/21/2023</a:t>
             </a:fld>
             <a:endParaRPr lang="en-US"/>
           </a:p>
@@ -497,10 +519,9 @@
           <a:lstStyle/>
           <a:p>
             <a:r>
-              <a:rPr kumimoji="0" lang="en-US" smtClean="0"/>
+              <a:rPr kumimoji="0" lang="en-US"/>
               <a:t>Click to edit Master title style</a:t>
             </a:r>
-            <a:endParaRPr kumimoji="0" lang="en-US"/>
           </a:p>
         </p:txBody>
       </p:sp>
@@ -521,35 +542,35 @@
           <a:p>
             <a:pPr lvl="0" eaLnBrk="1" latinLnBrk="0" hangingPunct="1"/>
             <a:r>
-              <a:rPr lang="en-US" smtClean="0"/>
+              <a:rPr lang="en-US"/>
               <a:t>Click to edit Master text styles</a:t>
             </a:r>
           </a:p>
           <a:p>
             <a:pPr lvl="1" eaLnBrk="1" latinLnBrk="0" hangingPunct="1"/>
             <a:r>
-              <a:rPr lang="en-US" smtClean="0"/>
+              <a:rPr lang="en-US"/>
               <a:t>Second level</a:t>
             </a:r>
           </a:p>
           <a:p>
             <a:pPr lvl="2" eaLnBrk="1" latinLnBrk="0" hangingPunct="1"/>
             <a:r>
-              <a:rPr lang="en-US" smtClean="0"/>
+              <a:rPr lang="en-US"/>
               <a:t>Third level</a:t>
             </a:r>
           </a:p>
           <a:p>
             <a:pPr lvl="3" eaLnBrk="1" latinLnBrk="0" hangingPunct="1"/>
             <a:r>
-              <a:rPr lang="en-US" smtClean="0"/>
+              <a:rPr lang="en-US"/>
               <a:t>Fourth level</a:t>
             </a:r>
           </a:p>
           <a:p>
             <a:pPr lvl="4" eaLnBrk="1" latinLnBrk="0" hangingPunct="1"/>
             <a:r>
-              <a:rPr lang="en-US" smtClean="0"/>
+              <a:rPr lang="en-US"/>
               <a:t>Fifth level</a:t>
             </a:r>
             <a:endParaRPr kumimoji="0" lang="en-US"/>
@@ -574,7 +595,7 @@
             <a:fld id="{290372C1-F81F-40CF-BA68-460FF6C876BC}" type="datetimeFigureOut">
               <a:rPr lang="en-US" smtClean="0"/>
               <a:pPr/>
-              <a:t>2/19/2023</a:t>
+              <a:t>2/21/2023</a:t>
             </a:fld>
             <a:endParaRPr lang="en-US"/>
           </a:p>
@@ -669,10 +690,9 @@
           <a:lstStyle/>
           <a:p>
             <a:r>
-              <a:rPr kumimoji="0" lang="en-US" smtClean="0"/>
+              <a:rPr kumimoji="0" lang="en-US"/>
               <a:t>Click to edit Master title style</a:t>
             </a:r>
-            <a:endParaRPr kumimoji="0" lang="en-US"/>
           </a:p>
         </p:txBody>
       </p:sp>
@@ -698,35 +718,35 @@
           <a:p>
             <a:pPr lvl="0" eaLnBrk="1" latinLnBrk="0" hangingPunct="1"/>
             <a:r>
-              <a:rPr lang="en-US" smtClean="0"/>
+              <a:rPr lang="en-US"/>
               <a:t>Click to edit Master text styles</a:t>
             </a:r>
           </a:p>
           <a:p>
             <a:pPr lvl="1" eaLnBrk="1" latinLnBrk="0" hangingPunct="1"/>
             <a:r>
-              <a:rPr lang="en-US" smtClean="0"/>
+              <a:rPr lang="en-US"/>
               <a:t>Second level</a:t>
             </a:r>
           </a:p>
           <a:p>
             <a:pPr lvl="2" eaLnBrk="1" latinLnBrk="0" hangingPunct="1"/>
             <a:r>
-              <a:rPr lang="en-US" smtClean="0"/>
+              <a:rPr lang="en-US"/>
               <a:t>Third level</a:t>
             </a:r>
           </a:p>
           <a:p>
             <a:pPr lvl="3" eaLnBrk="1" latinLnBrk="0" hangingPunct="1"/>
             <a:r>
-              <a:rPr lang="en-US" smtClean="0"/>
+              <a:rPr lang="en-US"/>
               <a:t>Fourth level</a:t>
             </a:r>
           </a:p>
           <a:p>
             <a:pPr lvl="4" eaLnBrk="1" latinLnBrk="0" hangingPunct="1"/>
             <a:r>
-              <a:rPr lang="en-US" smtClean="0"/>
+              <a:rPr lang="en-US"/>
               <a:t>Fifth level</a:t>
             </a:r>
             <a:endParaRPr kumimoji="0" lang="en-US"/>
@@ -751,7 +771,7 @@
             <a:fld id="{290372C1-F81F-40CF-BA68-460FF6C876BC}" type="datetimeFigureOut">
               <a:rPr lang="en-US" smtClean="0"/>
               <a:pPr/>
-              <a:t>2/19/2023</a:t>
+              <a:t>2/21/2023</a:t>
             </a:fld>
             <a:endParaRPr lang="en-US"/>
           </a:p>
@@ -847,35 +867,35 @@
           <a:p>
             <a:pPr lvl="0" eaLnBrk="1" latinLnBrk="0" hangingPunct="1"/>
             <a:r>
-              <a:rPr lang="en-US" smtClean="0"/>
+              <a:rPr lang="en-US"/>
               <a:t>Click to edit Master text styles</a:t>
             </a:r>
           </a:p>
           <a:p>
             <a:pPr lvl="1" eaLnBrk="1" latinLnBrk="0" hangingPunct="1"/>
             <a:r>
-              <a:rPr lang="en-US" smtClean="0"/>
+              <a:rPr lang="en-US"/>
               <a:t>Second level</a:t>
             </a:r>
           </a:p>
           <a:p>
             <a:pPr lvl="2" eaLnBrk="1" latinLnBrk="0" hangingPunct="1"/>
             <a:r>
-              <a:rPr lang="en-US" smtClean="0"/>
+              <a:rPr lang="en-US"/>
               <a:t>Third level</a:t>
             </a:r>
           </a:p>
           <a:p>
             <a:pPr lvl="3" eaLnBrk="1" latinLnBrk="0" hangingPunct="1"/>
             <a:r>
-              <a:rPr lang="en-US" smtClean="0"/>
+              <a:rPr lang="en-US"/>
               <a:t>Fourth level</a:t>
             </a:r>
           </a:p>
           <a:p>
             <a:pPr lvl="4" eaLnBrk="1" latinLnBrk="0" hangingPunct="1"/>
             <a:r>
-              <a:rPr lang="en-US" smtClean="0"/>
+              <a:rPr lang="en-US"/>
               <a:t>Fifth level</a:t>
             </a:r>
             <a:endParaRPr kumimoji="0" lang="en-US"/>
@@ -900,7 +920,7 @@
             <a:fld id="{290372C1-F81F-40CF-BA68-460FF6C876BC}" type="datetimeFigureOut">
               <a:rPr lang="en-US" smtClean="0"/>
               <a:pPr/>
-              <a:t>2/19/2023</a:t>
+              <a:t>2/21/2023</a:t>
             </a:fld>
             <a:endParaRPr lang="en-US"/>
           </a:p>
@@ -969,10 +989,9 @@
           <a:lstStyle/>
           <a:p>
             <a:r>
-              <a:rPr kumimoji="0" lang="en-US" smtClean="0"/>
+              <a:rPr kumimoji="0" lang="en-US"/>
               <a:t>Click to edit Master title style</a:t>
             </a:r>
-            <a:endParaRPr kumimoji="0" lang="en-US"/>
           </a:p>
         </p:txBody>
       </p:sp>
@@ -1019,7 +1038,7 @@
             <a:fld id="{290372C1-F81F-40CF-BA68-460FF6C876BC}" type="datetimeFigureOut">
               <a:rPr lang="en-US" smtClean="0"/>
               <a:pPr/>
-              <a:t>2/19/2023</a:t>
+              <a:t>2/21/2023</a:t>
             </a:fld>
             <a:endParaRPr lang="en-US"/>
           </a:p>
@@ -1120,10 +1139,9 @@
           </a:lstStyle>
           <a:p>
             <a:r>
-              <a:rPr kumimoji="0" lang="en-US" smtClean="0"/>
+              <a:rPr kumimoji="0" lang="en-US"/>
               <a:t>Click to edit Master title style</a:t>
             </a:r>
-            <a:endParaRPr kumimoji="0" lang="en-US"/>
           </a:p>
         </p:txBody>
       </p:sp>
@@ -1198,7 +1216,7 @@
           <a:p>
             <a:pPr lvl="0" eaLnBrk="1" latinLnBrk="0" hangingPunct="1"/>
             <a:r>
-              <a:rPr kumimoji="0" lang="en-US" smtClean="0"/>
+              <a:rPr kumimoji="0" lang="en-US"/>
               <a:t>Click to edit Master text styles</a:t>
             </a:r>
           </a:p>
@@ -1291,7 +1309,7 @@
             <a:fld id="{290372C1-F81F-40CF-BA68-460FF6C876BC}" type="datetimeFigureOut">
               <a:rPr lang="en-US" smtClean="0"/>
               <a:pPr/>
-              <a:t>2/19/2023</a:t>
+              <a:t>2/21/2023</a:t>
             </a:fld>
             <a:endParaRPr lang="en-US"/>
           </a:p>
@@ -1356,10 +1374,9 @@
           <a:lstStyle/>
           <a:p>
             <a:r>
-              <a:rPr kumimoji="0" lang="en-US" smtClean="0"/>
+              <a:rPr kumimoji="0" lang="en-US"/>
               <a:t>Click to edit Master title style</a:t>
             </a:r>
-            <a:endParaRPr kumimoji="0" lang="en-US"/>
           </a:p>
         </p:txBody>
       </p:sp>
@@ -1385,35 +1402,35 @@
           <a:p>
             <a:pPr lvl="0" eaLnBrk="1" latinLnBrk="0" hangingPunct="1"/>
             <a:r>
-              <a:rPr lang="en-US" smtClean="0"/>
+              <a:rPr lang="en-US"/>
               <a:t>Click to edit Master text styles</a:t>
             </a:r>
           </a:p>
           <a:p>
             <a:pPr lvl="1" eaLnBrk="1" latinLnBrk="0" hangingPunct="1"/>
             <a:r>
-              <a:rPr lang="en-US" smtClean="0"/>
+              <a:rPr lang="en-US"/>
               <a:t>Second level</a:t>
             </a:r>
           </a:p>
           <a:p>
             <a:pPr lvl="2" eaLnBrk="1" latinLnBrk="0" hangingPunct="1"/>
             <a:r>
-              <a:rPr lang="en-US" smtClean="0"/>
+              <a:rPr lang="en-US"/>
               <a:t>Third level</a:t>
             </a:r>
           </a:p>
           <a:p>
             <a:pPr lvl="3" eaLnBrk="1" latinLnBrk="0" hangingPunct="1"/>
             <a:r>
-              <a:rPr lang="en-US" smtClean="0"/>
+              <a:rPr lang="en-US"/>
               <a:t>Fourth level</a:t>
             </a:r>
           </a:p>
           <a:p>
             <a:pPr lvl="4" eaLnBrk="1" latinLnBrk="0" hangingPunct="1"/>
             <a:r>
-              <a:rPr lang="en-US" smtClean="0"/>
+              <a:rPr lang="en-US"/>
               <a:t>Fifth level</a:t>
             </a:r>
             <a:endParaRPr kumimoji="0" lang="en-US"/>
@@ -1442,35 +1459,35 @@
           <a:p>
             <a:pPr lvl="0" eaLnBrk="1" latinLnBrk="0" hangingPunct="1"/>
             <a:r>
-              <a:rPr lang="en-US" smtClean="0"/>
+              <a:rPr lang="en-US"/>
               <a:t>Click to edit Master text styles</a:t>
             </a:r>
           </a:p>
           <a:p>
             <a:pPr lvl="1" eaLnBrk="1" latinLnBrk="0" hangingPunct="1"/>
             <a:r>
-              <a:rPr lang="en-US" smtClean="0"/>
+              <a:rPr lang="en-US"/>
               <a:t>Second level</a:t>
             </a:r>
           </a:p>
           <a:p>
             <a:pPr lvl="2" eaLnBrk="1" latinLnBrk="0" hangingPunct="1"/>
             <a:r>
-              <a:rPr lang="en-US" smtClean="0"/>
+              <a:rPr lang="en-US"/>
               <a:t>Third level</a:t>
             </a:r>
           </a:p>
           <a:p>
             <a:pPr lvl="3" eaLnBrk="1" latinLnBrk="0" hangingPunct="1"/>
             <a:r>
-              <a:rPr lang="en-US" smtClean="0"/>
+              <a:rPr lang="en-US"/>
               <a:t>Fourth level</a:t>
             </a:r>
           </a:p>
           <a:p>
             <a:pPr lvl="4" eaLnBrk="1" latinLnBrk="0" hangingPunct="1"/>
             <a:r>
-              <a:rPr lang="en-US" smtClean="0"/>
+              <a:rPr lang="en-US"/>
               <a:t>Fifth level</a:t>
             </a:r>
             <a:endParaRPr kumimoji="0" lang="en-US"/>
@@ -1563,7 +1580,7 @@
             <a:fld id="{290372C1-F81F-40CF-BA68-460FF6C876BC}" type="datetimeFigureOut">
               <a:rPr lang="en-US" smtClean="0"/>
               <a:pPr/>
-              <a:t>2/19/2023</a:t>
+              <a:t>2/21/2023</a:t>
             </a:fld>
             <a:endParaRPr lang="en-US"/>
           </a:p>
@@ -1644,7 +1661,7 @@
           <a:p>
             <a:pPr lvl="0" eaLnBrk="1" latinLnBrk="0" hangingPunct="1"/>
             <a:r>
-              <a:rPr kumimoji="0" lang="en-US" smtClean="0"/>
+              <a:rPr kumimoji="0" lang="en-US"/>
               <a:t>Click to edit Master text styles</a:t>
             </a:r>
           </a:p>
@@ -1672,35 +1689,35 @@
           <a:p>
             <a:pPr lvl="0" eaLnBrk="1" latinLnBrk="0" hangingPunct="1"/>
             <a:r>
-              <a:rPr lang="en-US" smtClean="0"/>
+              <a:rPr lang="en-US"/>
               <a:t>Click to edit Master text styles</a:t>
             </a:r>
           </a:p>
           <a:p>
             <a:pPr lvl="1" eaLnBrk="1" latinLnBrk="0" hangingPunct="1"/>
             <a:r>
-              <a:rPr lang="en-US" smtClean="0"/>
+              <a:rPr lang="en-US"/>
               <a:t>Second level</a:t>
             </a:r>
           </a:p>
           <a:p>
             <a:pPr lvl="2" eaLnBrk="1" latinLnBrk="0" hangingPunct="1"/>
             <a:r>
-              <a:rPr lang="en-US" smtClean="0"/>
+              <a:rPr lang="en-US"/>
               <a:t>Third level</a:t>
             </a:r>
           </a:p>
           <a:p>
             <a:pPr lvl="3" eaLnBrk="1" latinLnBrk="0" hangingPunct="1"/>
             <a:r>
-              <a:rPr lang="en-US" smtClean="0"/>
+              <a:rPr lang="en-US"/>
               <a:t>Fourth level</a:t>
             </a:r>
           </a:p>
           <a:p>
             <a:pPr lvl="4" eaLnBrk="1" latinLnBrk="0" hangingPunct="1"/>
             <a:r>
-              <a:rPr lang="en-US" smtClean="0"/>
+              <a:rPr lang="en-US"/>
               <a:t>Fifth level</a:t>
             </a:r>
             <a:endParaRPr kumimoji="0" lang="en-US"/>
@@ -1729,35 +1746,35 @@
           <a:p>
             <a:pPr lvl="0" eaLnBrk="1" latinLnBrk="0" hangingPunct="1"/>
             <a:r>
-              <a:rPr lang="en-US" smtClean="0"/>
+              <a:rPr lang="en-US"/>
               <a:t>Click to edit Master text styles</a:t>
             </a:r>
           </a:p>
           <a:p>
             <a:pPr lvl="1" eaLnBrk="1" latinLnBrk="0" hangingPunct="1"/>
             <a:r>
-              <a:rPr lang="en-US" smtClean="0"/>
+              <a:rPr lang="en-US"/>
               <a:t>Second level</a:t>
             </a:r>
           </a:p>
           <a:p>
             <a:pPr lvl="2" eaLnBrk="1" latinLnBrk="0" hangingPunct="1"/>
             <a:r>
-              <a:rPr lang="en-US" smtClean="0"/>
+              <a:rPr lang="en-US"/>
               <a:t>Third level</a:t>
             </a:r>
           </a:p>
           <a:p>
             <a:pPr lvl="3" eaLnBrk="1" latinLnBrk="0" hangingPunct="1"/>
             <a:r>
-              <a:rPr lang="en-US" smtClean="0"/>
+              <a:rPr lang="en-US"/>
               <a:t>Fourth level</a:t>
             </a:r>
           </a:p>
           <a:p>
             <a:pPr lvl="4" eaLnBrk="1" latinLnBrk="0" hangingPunct="1"/>
             <a:r>
-              <a:rPr lang="en-US" smtClean="0"/>
+              <a:rPr lang="en-US"/>
               <a:t>Fifth level</a:t>
             </a:r>
             <a:endParaRPr kumimoji="0" lang="en-US"/>
@@ -1789,10 +1806,9 @@
           </a:lstStyle>
           <a:p>
             <a:r>
-              <a:rPr kumimoji="0" lang="en-US" smtClean="0"/>
+              <a:rPr kumimoji="0" lang="en-US"/>
               <a:t>Click to edit Master title style</a:t>
             </a:r>
-            <a:endParaRPr kumimoji="0" lang="en-US"/>
           </a:p>
         </p:txBody>
       </p:sp>
@@ -1870,7 +1886,7 @@
           <a:p>
             <a:pPr lvl="0" eaLnBrk="1" latinLnBrk="0" hangingPunct="1"/>
             <a:r>
-              <a:rPr kumimoji="0" lang="en-US" smtClean="0"/>
+              <a:rPr kumimoji="0" lang="en-US"/>
               <a:t>Click to edit Master text styles</a:t>
             </a:r>
           </a:p>
@@ -2011,7 +2027,7 @@
             <a:fld id="{290372C1-F81F-40CF-BA68-460FF6C876BC}" type="datetimeFigureOut">
               <a:rPr lang="en-US" smtClean="0"/>
               <a:pPr/>
-              <a:t>2/19/2023</a:t>
+              <a:t>2/21/2023</a:t>
             </a:fld>
             <a:endParaRPr lang="en-US"/>
           </a:p>
@@ -2076,10 +2092,9 @@
           <a:lstStyle/>
           <a:p>
             <a:r>
-              <a:rPr kumimoji="0" lang="en-US" smtClean="0"/>
+              <a:rPr kumimoji="0" lang="en-US"/>
               <a:t>Click to edit Master title style</a:t>
             </a:r>
-            <a:endParaRPr kumimoji="0" lang="en-US"/>
           </a:p>
         </p:txBody>
       </p:sp>
@@ -2126,7 +2141,7 @@
             <a:fld id="{290372C1-F81F-40CF-BA68-460FF6C876BC}" type="datetimeFigureOut">
               <a:rPr lang="en-US" smtClean="0"/>
               <a:pPr/>
-              <a:t>2/19/2023</a:t>
+              <a:t>2/21/2023</a:t>
             </a:fld>
             <a:endParaRPr lang="en-US"/>
           </a:p>
@@ -2222,35 +2237,35 @@
           <a:p>
             <a:pPr lvl="0" eaLnBrk="1" latinLnBrk="0" hangingPunct="1"/>
             <a:r>
-              <a:rPr lang="en-US" smtClean="0"/>
+              <a:rPr lang="en-US"/>
               <a:t>Click to edit Master text styles</a:t>
             </a:r>
           </a:p>
           <a:p>
             <a:pPr lvl="1" eaLnBrk="1" latinLnBrk="0" hangingPunct="1"/>
             <a:r>
-              <a:rPr lang="en-US" smtClean="0"/>
+              <a:rPr lang="en-US"/>
               <a:t>Second level</a:t>
             </a:r>
           </a:p>
           <a:p>
             <a:pPr lvl="2" eaLnBrk="1" latinLnBrk="0" hangingPunct="1"/>
             <a:r>
-              <a:rPr lang="en-US" smtClean="0"/>
+              <a:rPr lang="en-US"/>
               <a:t>Third level</a:t>
             </a:r>
           </a:p>
           <a:p>
             <a:pPr lvl="3" eaLnBrk="1" latinLnBrk="0" hangingPunct="1"/>
             <a:r>
-              <a:rPr lang="en-US" smtClean="0"/>
+              <a:rPr lang="en-US"/>
               <a:t>Fourth level</a:t>
             </a:r>
           </a:p>
           <a:p>
             <a:pPr lvl="4" eaLnBrk="1" latinLnBrk="0" hangingPunct="1"/>
             <a:r>
-              <a:rPr lang="en-US" smtClean="0"/>
+              <a:rPr lang="en-US"/>
               <a:t>Fifth level</a:t>
             </a:r>
             <a:endParaRPr kumimoji="0" lang="en-US"/>
@@ -2310,7 +2325,7 @@
           <a:p>
             <a:pPr lvl="0" eaLnBrk="1" latinLnBrk="0" hangingPunct="1"/>
             <a:r>
-              <a:rPr kumimoji="0" lang="en-US" smtClean="0"/>
+              <a:rPr kumimoji="0" lang="en-US"/>
               <a:t>Click to edit Master text styles</a:t>
             </a:r>
           </a:p>
@@ -2353,10 +2368,9 @@
           </a:lstStyle>
           <a:p>
             <a:r>
-              <a:rPr kumimoji="0" lang="en-US" smtClean="0"/>
+              <a:rPr kumimoji="0" lang="en-US"/>
               <a:t>Click to edit Master title style</a:t>
             </a:r>
-            <a:endParaRPr kumimoji="0" lang="en-US"/>
           </a:p>
         </p:txBody>
       </p:sp>
@@ -2378,7 +2392,7 @@
             <a:fld id="{290372C1-F81F-40CF-BA68-460FF6C876BC}" type="datetimeFigureOut">
               <a:rPr lang="en-US" smtClean="0"/>
               <a:pPr/>
-              <a:t>2/19/2023</a:t>
+              <a:t>2/21/2023</a:t>
             </a:fld>
             <a:endParaRPr lang="en-US"/>
           </a:p>
@@ -2489,10 +2503,9 @@
           </a:lstStyle>
           <a:p>
             <a:r>
-              <a:rPr kumimoji="0" lang="en-US" smtClean="0"/>
+              <a:rPr kumimoji="0" lang="en-US"/>
               <a:t>Click to edit Master title style</a:t>
             </a:r>
-            <a:endParaRPr kumimoji="0" lang="en-US"/>
           </a:p>
         </p:txBody>
       </p:sp>
@@ -2539,10 +2552,9 @@
           </a:lstStyle>
           <a:p>
             <a:r>
-              <a:rPr kumimoji="0" lang="en-US" smtClean="0"/>
+              <a:rPr kumimoji="0" lang="en-US"/>
               <a:t>Click icon to add picture</a:t>
             </a:r>
-            <a:endParaRPr kumimoji="0" lang="en-US"/>
           </a:p>
         </p:txBody>
       </p:sp>
@@ -2596,7 +2608,7 @@
           <a:p>
             <a:pPr lvl="0" eaLnBrk="1" latinLnBrk="0" hangingPunct="1"/>
             <a:r>
-              <a:rPr kumimoji="0" lang="en-US" smtClean="0"/>
+              <a:rPr kumimoji="0" lang="en-US"/>
               <a:t>Click to edit Master text styles</a:t>
             </a:r>
           </a:p>
@@ -2620,7 +2632,7 @@
             <a:fld id="{290372C1-F81F-40CF-BA68-460FF6C876BC}" type="datetimeFigureOut">
               <a:rPr lang="en-US" smtClean="0"/>
               <a:pPr/>
-              <a:t>2/19/2023</a:t>
+              <a:t>2/21/2023</a:t>
             </a:fld>
             <a:endParaRPr lang="en-US"/>
           </a:p>
@@ -2726,38 +2738,37 @@
           <a:p>
             <a:pPr lvl="0" eaLnBrk="1" latinLnBrk="0" hangingPunct="1"/>
             <a:r>
-              <a:rPr kumimoji="0" lang="en-US" smtClean="0"/>
+              <a:rPr kumimoji="0" lang="en-US"/>
               <a:t>Click to edit Master text styles</a:t>
             </a:r>
           </a:p>
           <a:p>
             <a:pPr lvl="1" eaLnBrk="1" latinLnBrk="0" hangingPunct="1"/>
             <a:r>
-              <a:rPr kumimoji="0" lang="en-US" smtClean="0"/>
+              <a:rPr kumimoji="0" lang="en-US"/>
               <a:t>Second level</a:t>
             </a:r>
           </a:p>
           <a:p>
             <a:pPr lvl="2" eaLnBrk="1" latinLnBrk="0" hangingPunct="1"/>
             <a:r>
-              <a:rPr kumimoji="0" lang="en-US" smtClean="0"/>
+              <a:rPr kumimoji="0" lang="en-US"/>
               <a:t>Third level</a:t>
             </a:r>
           </a:p>
           <a:p>
             <a:pPr lvl="3" eaLnBrk="1" latinLnBrk="0" hangingPunct="1"/>
             <a:r>
-              <a:rPr kumimoji="0" lang="en-US" smtClean="0"/>
+              <a:rPr kumimoji="0" lang="en-US"/>
               <a:t>Fourth level</a:t>
             </a:r>
           </a:p>
           <a:p>
             <a:pPr lvl="4" eaLnBrk="1" latinLnBrk="0" hangingPunct="1"/>
             <a:r>
-              <a:rPr kumimoji="0" lang="en-US" smtClean="0"/>
+              <a:rPr kumimoji="0" lang="en-US"/>
               <a:t>Fifth level</a:t>
             </a:r>
-            <a:endParaRPr kumimoji="0" lang="en-US"/>
           </a:p>
         </p:txBody>
       </p:sp>
@@ -2795,7 +2806,7 @@
             <a:fld id="{290372C1-F81F-40CF-BA68-460FF6C876BC}" type="datetimeFigureOut">
               <a:rPr lang="en-US" smtClean="0"/>
               <a:pPr/>
-              <a:t>2/19/2023</a:t>
+              <a:t>2/21/2023</a:t>
             </a:fld>
             <a:endParaRPr lang="en-US"/>
           </a:p>
@@ -2908,10 +2919,9 @@
           <a:lstStyle/>
           <a:p>
             <a:r>
-              <a:rPr kumimoji="0" lang="en-US" smtClean="0"/>
+              <a:rPr kumimoji="0" lang="en-US"/>
               <a:t>Click to edit Master title style</a:t>
             </a:r>
-            <a:endParaRPr kumimoji="0" lang="en-US"/>
           </a:p>
         </p:txBody>
       </p:sp>
@@ -3288,7 +3298,7 @@
           <a:lstStyle/>
           <a:p>
             <a:r>
-              <a:rPr sz="3600" dirty="0" smtClean="0">
+              <a:rPr sz="3600" dirty="0">
                 <a:solidFill>
                   <a:srgbClr val="FF0000"/>
                 </a:solidFill>
@@ -3391,7 +3401,7 @@
           <a:p>
             <a:pPr algn="ctr"/>
             <a:r>
-              <a:rPr lang="en-US" sz="3600" b="1" dirty="0" smtClean="0">
+              <a:rPr lang="en-US" sz="3600" b="1" dirty="0">
                 <a:solidFill>
                   <a:srgbClr val="FFFF00"/>
                 </a:solidFill>
@@ -3399,12 +3409,6 @@
               </a:rPr>
               <a:t>AN TOÀN VÀ BẢO MẬT HỆ THỐNG THÔNG TIN</a:t>
             </a:r>
-            <a:endParaRPr lang="en-US" sz="3600" b="1" dirty="0">
-              <a:solidFill>
-                <a:srgbClr val="FFFF00"/>
-              </a:solidFill>
-              <a:latin typeface="Constantia (Headings)"/>
-            </a:endParaRPr>
           </a:p>
         </p:txBody>
       </p:sp>
@@ -3449,16 +3453,12 @@
           <a:p>
             <a:pPr algn="ctr"/>
             <a:r>
-              <a:rPr lang="en-US" sz="2400" b="1" dirty="0" smtClean="0">
+              <a:rPr lang="en-US" sz="2400" b="1" dirty="0">
                 <a:latin typeface="Arial" pitchFamily="34" charset="0"/>
                 <a:cs typeface="Arial" pitchFamily="34" charset="0"/>
               </a:rPr>
               <a:t>NHÓM  10</a:t>
             </a:r>
-            <a:endParaRPr lang="en-US" sz="2400" b="1" dirty="0">
-              <a:latin typeface="Arial" pitchFamily="34" charset="0"/>
-              <a:cs typeface="Arial" pitchFamily="34" charset="0"/>
-            </a:endParaRPr>
           </a:p>
         </p:txBody>
       </p:sp>
@@ -3506,7 +3506,7 @@
               <a:buChar char="Ø"/>
             </a:pPr>
             <a:r>
-              <a:rPr lang="en-US" dirty="0" smtClean="0">
+              <a:rPr lang="en-US" dirty="0">
                 <a:solidFill>
                   <a:schemeClr val="tx1"/>
                 </a:solidFill>
@@ -3516,7 +3516,7 @@
               <a:t>    </a:t>
             </a:r>
             <a:r>
-              <a:rPr lang="en-US" b="1" dirty="0" smtClean="0">
+              <a:rPr lang="en-US" b="1" dirty="0">
                 <a:solidFill>
                   <a:schemeClr val="tx1"/>
                 </a:solidFill>
@@ -3539,25 +3539,8 @@
                 <a:latin typeface="Arial" pitchFamily="34" charset="0"/>
                 <a:cs typeface="Arial" pitchFamily="34" charset="0"/>
               </a:rPr>
-              <a:t> </a:t>
-            </a:r>
-            <a:r>
-              <a:rPr lang="en-US" b="1" dirty="0" smtClean="0">
-                <a:solidFill>
-                  <a:schemeClr val="tx1"/>
-                </a:solidFill>
-                <a:latin typeface="Arial" pitchFamily="34" charset="0"/>
-                <a:cs typeface="Arial" pitchFamily="34" charset="0"/>
-              </a:rPr>
-              <a:t>   ĐÀO QUỐC LUẬN – N20DCCN117</a:t>
-            </a:r>
-            <a:endParaRPr lang="en-US" b="1" dirty="0">
-              <a:solidFill>
-                <a:schemeClr val="tx1"/>
-              </a:solidFill>
-              <a:latin typeface="Arial" pitchFamily="34" charset="0"/>
-              <a:cs typeface="Arial" pitchFamily="34" charset="0"/>
-            </a:endParaRPr>
+              <a:t>    ĐÀO QUỐC LUẬN – N20DCCN117</a:t>
+            </a:r>
           </a:p>
         </p:txBody>
       </p:sp>
@@ -4040,17 +4023,1728 @@
           </a:xfrm>
         </p:spPr>
         <p:txBody>
+          <a:bodyPr>
+            <a:normAutofit/>
+          </a:bodyPr>
+          <a:lstStyle/>
+          <a:p>
+            <a:pPr lvl="1">
+              <a:buFont typeface="Constantia" panose="02030602050306030303" pitchFamily="18" charset="0"/>
+              <a:buChar char="‐"/>
+            </a:pPr>
+            <a:r>
+              <a:rPr lang="en-US">
+                <a:solidFill>
+                  <a:schemeClr val="tx1"/>
+                </a:solidFill>
+                <a:latin typeface="Arial" panose="020B0604020202020204" pitchFamily="34" charset="0"/>
+              </a:rPr>
+              <a:t>Chính vì thế t</a:t>
+            </a:r>
+            <a:r>
+              <a:rPr lang="en-US" b="0" i="0">
+                <a:solidFill>
+                  <a:schemeClr val="tx1"/>
+                </a:solidFill>
+                <a:effectLst/>
+                <a:latin typeface="Arial" panose="020B0604020202020204" pitchFamily="34" charset="0"/>
+              </a:rPr>
+              <a:t>huật toán </a:t>
+            </a:r>
+            <a:r>
+              <a:rPr lang="vi-VN" b="0" i="0">
+                <a:solidFill>
+                  <a:schemeClr val="tx1"/>
+                </a:solidFill>
+                <a:effectLst/>
+                <a:latin typeface="Arial" panose="020B0604020202020204" pitchFamily="34" charset="0"/>
+              </a:rPr>
+              <a:t>mật mã hóa khóa công khai được</a:t>
+            </a:r>
+            <a:r>
+              <a:rPr lang="en-US" b="0" i="0">
+                <a:solidFill>
+                  <a:schemeClr val="tx1"/>
+                </a:solidFill>
+                <a:effectLst/>
+                <a:latin typeface="Arial" panose="020B0604020202020204" pitchFamily="34" charset="0"/>
+              </a:rPr>
+              <a:t> ra đời để giải quyết vấn đề này, được</a:t>
+            </a:r>
+            <a:r>
+              <a:rPr lang="vi-VN" b="0" i="0">
+                <a:solidFill>
+                  <a:schemeClr val="tx1"/>
+                </a:solidFill>
+                <a:effectLst/>
+                <a:latin typeface="Arial" panose="020B0604020202020204" pitchFamily="34" charset="0"/>
+              </a:rPr>
+              <a:t> thiết kế đầu tiên bởi </a:t>
+            </a:r>
+            <a:r>
+              <a:rPr lang="vi-VN">
+                <a:solidFill>
+                  <a:schemeClr val="tx1"/>
+                </a:solidFill>
+                <a:latin typeface="Arial" panose="020B0604020202020204" pitchFamily="34" charset="0"/>
+              </a:rPr>
+              <a:t>James H. Ellis</a:t>
+            </a:r>
+            <a:r>
+              <a:rPr lang="vi-VN" b="0" i="0">
+                <a:solidFill>
+                  <a:schemeClr val="tx1"/>
+                </a:solidFill>
+                <a:effectLst/>
+                <a:latin typeface="Arial" panose="020B0604020202020204" pitchFamily="34" charset="0"/>
+              </a:rPr>
+              <a:t>, </a:t>
+            </a:r>
+            <a:r>
+              <a:rPr lang="vi-VN">
+                <a:solidFill>
+                  <a:schemeClr val="tx1"/>
+                </a:solidFill>
+                <a:latin typeface="Arial" panose="020B0604020202020204" pitchFamily="34" charset="0"/>
+              </a:rPr>
+              <a:t>Clifford Cocks</a:t>
+            </a:r>
+            <a:r>
+              <a:rPr lang="vi-VN" b="0" i="0">
+                <a:solidFill>
+                  <a:schemeClr val="tx1"/>
+                </a:solidFill>
+                <a:effectLst/>
+                <a:latin typeface="Arial" panose="020B0604020202020204" pitchFamily="34" charset="0"/>
+              </a:rPr>
+              <a:t>, và </a:t>
+            </a:r>
+            <a:r>
+              <a:rPr lang="en-US" b="0" i="0">
+                <a:solidFill>
+                  <a:schemeClr val="tx1"/>
+                </a:solidFill>
+                <a:effectLst/>
+                <a:latin typeface="Arial" panose="020B0604020202020204" pitchFamily="34" charset="0"/>
+              </a:rPr>
+              <a:t>Malcom </a:t>
+            </a:r>
+            <a:r>
+              <a:rPr lang="vi-VN">
+                <a:solidFill>
+                  <a:schemeClr val="tx1"/>
+                </a:solidFill>
+                <a:latin typeface="Arial" panose="020B0604020202020204" pitchFamily="34" charset="0"/>
+              </a:rPr>
+              <a:t>Williamson</a:t>
+            </a:r>
+            <a:r>
+              <a:rPr lang="vi-VN" b="0" i="0">
+                <a:solidFill>
+                  <a:schemeClr val="tx1"/>
+                </a:solidFill>
+                <a:effectLst/>
+                <a:latin typeface="Arial" panose="020B0604020202020204" pitchFamily="34" charset="0"/>
+              </a:rPr>
+              <a:t> tại </a:t>
+            </a:r>
+            <a:r>
+              <a:rPr lang="vi-VN">
+                <a:solidFill>
+                  <a:schemeClr val="tx1"/>
+                </a:solidFill>
+                <a:latin typeface="Arial" panose="020B0604020202020204" pitchFamily="34" charset="0"/>
+              </a:rPr>
+              <a:t>GCHQ</a:t>
+            </a:r>
+            <a:r>
+              <a:rPr lang="vi-VN" b="0" i="0">
+                <a:solidFill>
+                  <a:schemeClr val="tx1"/>
+                </a:solidFill>
+                <a:effectLst/>
+                <a:latin typeface="Arial" panose="020B0604020202020204" pitchFamily="34" charset="0"/>
+              </a:rPr>
+              <a:t> (</a:t>
+            </a:r>
+            <a:r>
+              <a:rPr lang="vi-VN">
+                <a:solidFill>
+                  <a:schemeClr val="tx1"/>
+                </a:solidFill>
+                <a:latin typeface="Arial" panose="020B0604020202020204" pitchFamily="34" charset="0"/>
+              </a:rPr>
+              <a:t>Anh</a:t>
+            </a:r>
+            <a:r>
+              <a:rPr lang="vi-VN" b="0" i="0">
+                <a:solidFill>
+                  <a:schemeClr val="tx1"/>
+                </a:solidFill>
+                <a:effectLst/>
+                <a:latin typeface="Arial" panose="020B0604020202020204" pitchFamily="34" charset="0"/>
+              </a:rPr>
+              <a:t>)</a:t>
+            </a:r>
+            <a:endParaRPr lang="en-US" b="0" i="0">
+              <a:solidFill>
+                <a:schemeClr val="tx1"/>
+              </a:solidFill>
+              <a:effectLst/>
+              <a:latin typeface="Arial" panose="020B0604020202020204" pitchFamily="34" charset="0"/>
+            </a:endParaRPr>
+          </a:p>
+          <a:p>
+            <a:pPr lvl="1">
+              <a:buFont typeface="Constantia" panose="02030602050306030303" pitchFamily="18" charset="0"/>
+              <a:buChar char="‐"/>
+            </a:pPr>
+            <a:endParaRPr lang="en-US">
+              <a:solidFill>
+                <a:schemeClr val="tx1"/>
+              </a:solidFill>
+              <a:latin typeface="Arial" panose="020B0604020202020204" pitchFamily="34" charset="0"/>
+            </a:endParaRPr>
+          </a:p>
+          <a:p>
+            <a:pPr marL="576263" lvl="1" indent="-457200">
+              <a:buFont typeface="+mj-lt"/>
+              <a:buAutoNum type="arabicPeriod" startAt="2"/>
+            </a:pPr>
+            <a:r>
+              <a:rPr lang="en-US" b="0" i="0">
+                <a:solidFill>
+                  <a:schemeClr val="tx1"/>
+                </a:solidFill>
+                <a:effectLst/>
+                <a:latin typeface="Arial" panose="020B0604020202020204" pitchFamily="34" charset="0"/>
+                <a:cs typeface="Arial" panose="020B0604020202020204" pitchFamily="34" charset="0"/>
+              </a:rPr>
+              <a:t>Khái niệm và nguyên lý hoạt động</a:t>
+            </a:r>
+          </a:p>
+          <a:p>
+            <a:pPr marL="827723" lvl="2" indent="-342900">
+              <a:buFont typeface="Constantia" panose="02030602050306030303" pitchFamily="18" charset="0"/>
+              <a:buChar char="‐"/>
+            </a:pPr>
+            <a:r>
+              <a:rPr lang="en-US" sz="2400">
+                <a:latin typeface="Arial" panose="020B0604020202020204" pitchFamily="34" charset="0"/>
+                <a:cs typeface="Arial" panose="020B0604020202020204" pitchFamily="34" charset="0"/>
+              </a:rPr>
+              <a:t>Khái niệm: </a:t>
+            </a:r>
+            <a:r>
+              <a:rPr lang="en-US" sz="2000" b="0" i="0">
+                <a:solidFill>
+                  <a:srgbClr val="000000"/>
+                </a:solidFill>
+                <a:effectLst/>
+                <a:latin typeface="Lato" panose="020F0502020204030203" pitchFamily="34" charset="0"/>
+              </a:rPr>
+              <a:t> </a:t>
+            </a:r>
+            <a:r>
+              <a:rPr lang="en-US" sz="2400" b="0" i="0">
+                <a:effectLst/>
+                <a:latin typeface="Arial" panose="020B0604020202020204" pitchFamily="34" charset="0"/>
+                <a:cs typeface="Arial" panose="020B0604020202020204" pitchFamily="34" charset="0"/>
+              </a:rPr>
+              <a:t>là một quá trình sử dụng một cặp khóa liên quan – một khóa public và một private – để mã hóa và giải mã một tin nhắn và bảo vệ nó khỏi bị truy cập hoặc sử dụng trái phép.</a:t>
+            </a:r>
+          </a:p>
+          <a:p>
+            <a:pPr marL="827723" lvl="2" indent="-342900">
+              <a:buFont typeface="Constantia" panose="02030602050306030303" pitchFamily="18" charset="0"/>
+              <a:buChar char="‐"/>
+            </a:pPr>
+            <a:endParaRPr lang="en-US" sz="2400" b="0" i="0" dirty="0">
+              <a:effectLst/>
+              <a:latin typeface="Arial" panose="020B0604020202020204" pitchFamily="34" charset="0"/>
+              <a:cs typeface="Arial" panose="020B0604020202020204" pitchFamily="34" charset="0"/>
+            </a:endParaRPr>
+          </a:p>
+        </p:txBody>
+      </p:sp>
+    </p:spTree>
+  </p:cSld>
+  <p:clrMapOvr>
+    <a:masterClrMapping/>
+  </p:clrMapOvr>
+</p:sld>
+</file>
+
+<file path=ppt/slides/slide11.xml><?xml version="1.0" encoding="utf-8"?>
+<p:sld xmlns:a="http://schemas.openxmlformats.org/drawingml/2006/main" xmlns:r="http://schemas.openxmlformats.org/officeDocument/2006/relationships" xmlns:p="http://schemas.openxmlformats.org/presentationml/2006/main">
+  <p:cSld>
+    <p:spTree>
+      <p:nvGrpSpPr>
+        <p:cNvPr id="1" name=""/>
+        <p:cNvGrpSpPr/>
+        <p:nvPr/>
+      </p:nvGrpSpPr>
+      <p:grpSpPr>
+        <a:xfrm>
+          <a:off x="0" y="0"/>
+          <a:ext cx="0" cy="0"/>
+          <a:chOff x="0" y="0"/>
+          <a:chExt cx="0" cy="0"/>
+        </a:xfrm>
+      </p:grpSpPr>
+      <p:sp>
+        <p:nvSpPr>
+          <p:cNvPr id="2" name="Content Placeholder 1">
+            <a:extLst>
+              <a:ext uri="{FF2B5EF4-FFF2-40B4-BE49-F238E27FC236}">
+                <a16:creationId xmlns:a16="http://schemas.microsoft.com/office/drawing/2014/main" id="{67A532C8-EC65-4C3D-A155-CDE45C1E1C02}"/>
+              </a:ext>
+            </a:extLst>
+          </p:cNvPr>
+          <p:cNvSpPr>
+            <a:spLocks noGrp="1"/>
+          </p:cNvSpPr>
+          <p:nvPr>
+            <p:ph idx="1"/>
+          </p:nvPr>
+        </p:nvSpPr>
+        <p:spPr>
+          <a:xfrm>
+            <a:off x="457200" y="381000"/>
+            <a:ext cx="8229600" cy="5715000"/>
+          </a:xfrm>
+        </p:spPr>
+        <p:txBody>
+          <a:bodyPr>
+            <a:normAutofit lnSpcReduction="10000"/>
+          </a:bodyPr>
+          <a:lstStyle/>
+          <a:p>
+            <a:pPr marL="827723" lvl="2" indent="-342900">
+              <a:buFont typeface="Constantia" panose="02030602050306030303" pitchFamily="18" charset="0"/>
+              <a:buChar char="‐"/>
+            </a:pPr>
+            <a:endParaRPr lang="en-US" sz="2400">
+              <a:latin typeface="Arial" panose="020B0604020202020204" pitchFamily="34" charset="0"/>
+              <a:cs typeface="Arial" panose="020B0604020202020204" pitchFamily="34" charset="0"/>
+            </a:endParaRPr>
+          </a:p>
+          <a:p>
+            <a:pPr marL="827723" lvl="2" indent="-342900">
+              <a:buFont typeface="Constantia" panose="02030602050306030303" pitchFamily="18" charset="0"/>
+              <a:buChar char="‐"/>
+            </a:pPr>
+            <a:endParaRPr lang="en-US" sz="2400">
+              <a:latin typeface="Arial" panose="020B0604020202020204" pitchFamily="34" charset="0"/>
+              <a:cs typeface="Arial" panose="020B0604020202020204" pitchFamily="34" charset="0"/>
+            </a:endParaRPr>
+          </a:p>
+          <a:p>
+            <a:pPr marL="827723" lvl="2" indent="-342900">
+              <a:buFont typeface="Constantia" panose="02030602050306030303" pitchFamily="18" charset="0"/>
+              <a:buChar char="‐"/>
+            </a:pPr>
+            <a:endParaRPr lang="en-US" sz="2400">
+              <a:latin typeface="Arial" panose="020B0604020202020204" pitchFamily="34" charset="0"/>
+              <a:cs typeface="Arial" panose="020B0604020202020204" pitchFamily="34" charset="0"/>
+            </a:endParaRPr>
+          </a:p>
+          <a:p>
+            <a:pPr marL="827723" lvl="2" indent="-342900">
+              <a:buFont typeface="Constantia" panose="02030602050306030303" pitchFamily="18" charset="0"/>
+              <a:buChar char="‐"/>
+            </a:pPr>
+            <a:endParaRPr lang="en-US" sz="2400">
+              <a:latin typeface="Arial" panose="020B0604020202020204" pitchFamily="34" charset="0"/>
+              <a:cs typeface="Arial" panose="020B0604020202020204" pitchFamily="34" charset="0"/>
+            </a:endParaRPr>
+          </a:p>
+          <a:p>
+            <a:pPr marL="827723" lvl="2" indent="-342900">
+              <a:buFont typeface="Constantia" panose="02030602050306030303" pitchFamily="18" charset="0"/>
+              <a:buChar char="‐"/>
+            </a:pPr>
+            <a:endParaRPr lang="en-US" sz="2400">
+              <a:latin typeface="Arial" panose="020B0604020202020204" pitchFamily="34" charset="0"/>
+              <a:cs typeface="Arial" panose="020B0604020202020204" pitchFamily="34" charset="0"/>
+            </a:endParaRPr>
+          </a:p>
+          <a:p>
+            <a:pPr marL="827723" lvl="2" indent="-342900">
+              <a:buFont typeface="Constantia" panose="02030602050306030303" pitchFamily="18" charset="0"/>
+              <a:buChar char="‐"/>
+            </a:pPr>
+            <a:endParaRPr lang="en-US" sz="2400">
+              <a:latin typeface="Arial" panose="020B0604020202020204" pitchFamily="34" charset="0"/>
+              <a:cs typeface="Arial" panose="020B0604020202020204" pitchFamily="34" charset="0"/>
+            </a:endParaRPr>
+          </a:p>
+          <a:p>
+            <a:pPr marL="827723" lvl="2" indent="-342900">
+              <a:buFont typeface="Constantia" panose="02030602050306030303" pitchFamily="18" charset="0"/>
+              <a:buChar char="‐"/>
+            </a:pPr>
+            <a:endParaRPr lang="en-US" sz="2400">
+              <a:latin typeface="Arial" panose="020B0604020202020204" pitchFamily="34" charset="0"/>
+              <a:cs typeface="Arial" panose="020B0604020202020204" pitchFamily="34" charset="0"/>
+            </a:endParaRPr>
+          </a:p>
+          <a:p>
+            <a:pPr marL="827723" lvl="2" indent="-342900">
+              <a:buFont typeface="Constantia" panose="02030602050306030303" pitchFamily="18" charset="0"/>
+              <a:buChar char="‐"/>
+            </a:pPr>
+            <a:endParaRPr lang="en-US" sz="2400">
+              <a:latin typeface="Arial" panose="020B0604020202020204" pitchFamily="34" charset="0"/>
+              <a:cs typeface="Arial" panose="020B0604020202020204" pitchFamily="34" charset="0"/>
+            </a:endParaRPr>
+          </a:p>
+          <a:p>
+            <a:pPr marL="827723" lvl="2" indent="-342900">
+              <a:buFont typeface="Constantia" panose="02030602050306030303" pitchFamily="18" charset="0"/>
+              <a:buChar char="‐"/>
+            </a:pPr>
+            <a:r>
+              <a:rPr lang="en-US" sz="2000">
+                <a:latin typeface="Arial" panose="020B0604020202020204" pitchFamily="34" charset="0"/>
+                <a:cs typeface="Arial" panose="020B0604020202020204" pitchFamily="34" charset="0"/>
+              </a:rPr>
+              <a:t>Mã hóa công khai có 2 khóa:</a:t>
+            </a:r>
+          </a:p>
+          <a:p>
+            <a:pPr marL="1102043" lvl="3" indent="-342900">
+              <a:buFont typeface="Constantia" panose="02030602050306030303" pitchFamily="18" charset="0"/>
+              <a:buChar char="‐"/>
+            </a:pPr>
+            <a:r>
+              <a:rPr lang="en-US" sz="2000">
+                <a:latin typeface="Arial" panose="020B0604020202020204" pitchFamily="34" charset="0"/>
+                <a:cs typeface="Arial" panose="020B0604020202020204" pitchFamily="34" charset="0"/>
+              </a:rPr>
+              <a:t>Public key (khóa công khai): được sử dụng để mã hóa những thông tin mà ta muốn chia sẻ với bất cứ ai. Chính vì vậy ta có thể tự do phân phát nó cho bất cứ ai mà ta cần chia sẻ thông tin ở dạng mã hóa.</a:t>
+            </a:r>
+          </a:p>
+          <a:p>
+            <a:pPr marL="1102043" lvl="3" indent="-342900">
+              <a:buFont typeface="Constantia" panose="02030602050306030303" pitchFamily="18" charset="0"/>
+              <a:buChar char="‐"/>
+            </a:pPr>
+            <a:r>
+              <a:rPr lang="en-US" sz="2000" b="0" i="0">
+                <a:effectLst/>
+                <a:latin typeface="Arial" panose="020B0604020202020204" pitchFamily="34" charset="0"/>
+                <a:cs typeface="Arial" panose="020B0604020202020204" pitchFamily="34" charset="0"/>
+              </a:rPr>
+              <a:t>Private key (khóa bí mật): đúng như cái tên, key này thuộc sở hữu riêng tư của bạn (ứng với public key) và nó được sử dụng để giải mã thông tin. Chỉ mình bạn sở hữu nó, key này không được phép và không nên phân phát cho bất kì ai.</a:t>
+            </a:r>
+          </a:p>
+        </p:txBody>
+      </p:sp>
+      <p:pic>
+        <p:nvPicPr>
+          <p:cNvPr id="5" name="Picture 4">
+            <a:extLst>
+              <a:ext uri="{FF2B5EF4-FFF2-40B4-BE49-F238E27FC236}">
+                <a16:creationId xmlns:a16="http://schemas.microsoft.com/office/drawing/2014/main" id="{E504C846-128A-47B6-A124-DFD1DD7B4E0A}"/>
+              </a:ext>
+            </a:extLst>
+          </p:cNvPr>
+          <p:cNvPicPr>
+            <a:picLocks noChangeAspect="1"/>
+          </p:cNvPicPr>
+          <p:nvPr/>
+        </p:nvPicPr>
+        <p:blipFill>
+          <a:blip r:embed="rId2">
+            <a:extLst>
+              <a:ext uri="{28A0092B-C50C-407E-A947-70E740481C1C}">
+                <a14:useLocalDpi xmlns:a14="http://schemas.microsoft.com/office/drawing/2010/main" val="0"/>
+              </a:ext>
+            </a:extLst>
+          </a:blip>
+          <a:stretch>
+            <a:fillRect/>
+          </a:stretch>
+        </p:blipFill>
+        <p:spPr>
+          <a:xfrm>
+            <a:off x="2861171" y="228600"/>
+            <a:ext cx="3421658" cy="3200400"/>
+          </a:xfrm>
+          <a:prstGeom prst="rect">
+            <a:avLst/>
+          </a:prstGeom>
+        </p:spPr>
+      </p:pic>
+    </p:spTree>
+    <p:extLst>
+      <p:ext uri="{BB962C8B-B14F-4D97-AF65-F5344CB8AC3E}">
+        <p14:creationId xmlns:p14="http://schemas.microsoft.com/office/powerpoint/2010/main" val="1013140250"/>
+      </p:ext>
+    </p:extLst>
+  </p:cSld>
+  <p:clrMapOvr>
+    <a:masterClrMapping/>
+  </p:clrMapOvr>
+</p:sld>
+</file>
+
+<file path=ppt/slides/slide12.xml><?xml version="1.0" encoding="utf-8"?>
+<p:sld xmlns:a="http://schemas.openxmlformats.org/drawingml/2006/main" xmlns:r="http://schemas.openxmlformats.org/officeDocument/2006/relationships" xmlns:p="http://schemas.openxmlformats.org/presentationml/2006/main">
+  <p:cSld>
+    <p:spTree>
+      <p:nvGrpSpPr>
+        <p:cNvPr id="1" name=""/>
+        <p:cNvGrpSpPr/>
+        <p:nvPr/>
+      </p:nvGrpSpPr>
+      <p:grpSpPr>
+        <a:xfrm>
+          <a:off x="0" y="0"/>
+          <a:ext cx="0" cy="0"/>
+          <a:chOff x="0" y="0"/>
+          <a:chExt cx="0" cy="0"/>
+        </a:xfrm>
+      </p:grpSpPr>
+      <p:sp>
+        <p:nvSpPr>
+          <p:cNvPr id="2" name="Content Placeholder 1">
+            <a:extLst>
+              <a:ext uri="{FF2B5EF4-FFF2-40B4-BE49-F238E27FC236}">
+                <a16:creationId xmlns:a16="http://schemas.microsoft.com/office/drawing/2014/main" id="{3828B254-7655-47C4-8604-B8255201437E}"/>
+              </a:ext>
+            </a:extLst>
+          </p:cNvPr>
+          <p:cNvSpPr>
+            <a:spLocks noGrp="1"/>
+          </p:cNvSpPr>
+          <p:nvPr>
+            <p:ph idx="1"/>
+          </p:nvPr>
+        </p:nvSpPr>
+        <p:spPr>
+          <a:xfrm>
+            <a:off x="457200" y="457200"/>
+            <a:ext cx="8229600" cy="5791200"/>
+          </a:xfrm>
+        </p:spPr>
+        <p:txBody>
           <a:bodyPr/>
           <a:lstStyle/>
           <a:p>
-            <a:pPr>
+            <a:pPr lvl="1">
+              <a:buFont typeface="Constantia" panose="02030602050306030303" pitchFamily="18" charset="0"/>
+              <a:buChar char="–"/>
+            </a:pPr>
+            <a:r>
+              <a:rPr lang="en-US">
+                <a:solidFill>
+                  <a:schemeClr val="tx1"/>
+                </a:solidFill>
+                <a:latin typeface="Arial" panose="020B0604020202020204" pitchFamily="34" charset="0"/>
+                <a:cs typeface="Arial" panose="020B0604020202020204" pitchFamily="34" charset="0"/>
+              </a:rPr>
+              <a:t> Nghĩa là mỗi người sẽ giữ 2 key, 1 dùng để mã hóa – key này được công bố rộng rãi, 1 dùng để giải mã – key này được giữ kín.</a:t>
+            </a:r>
+          </a:p>
+          <a:p>
+            <a:pPr lvl="1">
+              <a:buFont typeface="Constantia" panose="02030602050306030303" pitchFamily="18" charset="0"/>
+              <a:buChar char="–"/>
+            </a:pPr>
+            <a:r>
+              <a:rPr lang="en-US">
+                <a:solidFill>
+                  <a:schemeClr val="tx1"/>
+                </a:solidFill>
+                <a:latin typeface="Arial" panose="020B0604020202020204" pitchFamily="34" charset="0"/>
+                <a:cs typeface="Arial" panose="020B0604020202020204" pitchFamily="34" charset="0"/>
+              </a:rPr>
+              <a:t>Khi ai đó có nhu cầu trao đổi thông tin với bạn, sẽ dùng public key mà bạn công bố để mã hóa thông tin và gửi cho bạn, khi nhận được bạn dung private key để giải mã. Những người khác dù có nhận được thông tin nhưng không biết private key thì cũng không thể giải mã và đọc được thông tin.</a:t>
+            </a:r>
+          </a:p>
+          <a:p>
+            <a:pPr lvl="1">
+              <a:buFont typeface="Constantia" panose="02030602050306030303" pitchFamily="18" charset="0"/>
+              <a:buChar char="–"/>
+            </a:pPr>
+            <a:r>
+              <a:rPr lang="en-US">
+                <a:solidFill>
+                  <a:schemeClr val="tx1"/>
+                </a:solidFill>
+                <a:latin typeface="Arial" panose="020B0604020202020204" pitchFamily="34" charset="0"/>
+                <a:cs typeface="Arial" panose="020B0604020202020204" pitchFamily="34" charset="0"/>
+              </a:rPr>
+              <a:t>Ví dụ:</a:t>
+            </a:r>
+          </a:p>
+          <a:p>
+            <a:pPr lvl="1">
+              <a:buFont typeface="Constantia" panose="02030602050306030303" pitchFamily="18" charset="0"/>
+              <a:buChar char="–"/>
+            </a:pPr>
+            <a:endParaRPr lang="en-US">
+              <a:solidFill>
+                <a:schemeClr val="tx1"/>
+              </a:solidFill>
+              <a:latin typeface="Arial" panose="020B0604020202020204" pitchFamily="34" charset="0"/>
+              <a:cs typeface="Arial" panose="020B0604020202020204" pitchFamily="34" charset="0"/>
+            </a:endParaRPr>
+          </a:p>
+          <a:p>
+            <a:pPr lvl="1">
+              <a:buFont typeface="Constantia" panose="02030602050306030303" pitchFamily="18" charset="0"/>
+              <a:buChar char="–"/>
+            </a:pPr>
+            <a:endParaRPr lang="en-US">
+              <a:solidFill>
+                <a:schemeClr val="tx1"/>
+              </a:solidFill>
+              <a:latin typeface="Arial" panose="020B0604020202020204" pitchFamily="34" charset="0"/>
+              <a:cs typeface="Arial" panose="020B0604020202020204" pitchFamily="34" charset="0"/>
+            </a:endParaRPr>
+          </a:p>
+        </p:txBody>
+      </p:sp>
+    </p:spTree>
+    <p:extLst>
+      <p:ext uri="{BB962C8B-B14F-4D97-AF65-F5344CB8AC3E}">
+        <p14:creationId xmlns:p14="http://schemas.microsoft.com/office/powerpoint/2010/main" val="2080519744"/>
+      </p:ext>
+    </p:extLst>
+  </p:cSld>
+  <p:clrMapOvr>
+    <a:masterClrMapping/>
+  </p:clrMapOvr>
+</p:sld>
+</file>
+
+<file path=ppt/slides/slide13.xml><?xml version="1.0" encoding="utf-8"?>
+<p:sld xmlns:a="http://schemas.openxmlformats.org/drawingml/2006/main" xmlns:r="http://schemas.openxmlformats.org/officeDocument/2006/relationships" xmlns:p="http://schemas.openxmlformats.org/presentationml/2006/main">
+  <p:cSld>
+    <p:spTree>
+      <p:nvGrpSpPr>
+        <p:cNvPr id="1" name=""/>
+        <p:cNvGrpSpPr/>
+        <p:nvPr/>
+      </p:nvGrpSpPr>
+      <p:grpSpPr>
+        <a:xfrm>
+          <a:off x="0" y="0"/>
+          <a:ext cx="0" cy="0"/>
+          <a:chOff x="0" y="0"/>
+          <a:chExt cx="0" cy="0"/>
+        </a:xfrm>
+      </p:grpSpPr>
+      <p:sp>
+        <p:nvSpPr>
+          <p:cNvPr id="2" name="Content Placeholder 1">
+            <a:extLst>
+              <a:ext uri="{FF2B5EF4-FFF2-40B4-BE49-F238E27FC236}">
+                <a16:creationId xmlns:a16="http://schemas.microsoft.com/office/drawing/2014/main" id="{02490E27-A5CE-4FCE-9D7F-D52A84BBC361}"/>
+              </a:ext>
+            </a:extLst>
+          </p:cNvPr>
+          <p:cNvSpPr>
+            <a:spLocks noGrp="1"/>
+          </p:cNvSpPr>
+          <p:nvPr>
+            <p:ph idx="1"/>
+          </p:nvPr>
+        </p:nvSpPr>
+        <p:spPr>
+          <a:xfrm>
+            <a:off x="457200" y="533399"/>
+            <a:ext cx="8229600" cy="5608983"/>
+          </a:xfrm>
+        </p:spPr>
+        <p:txBody>
+          <a:bodyPr/>
+          <a:lstStyle/>
+          <a:p>
+            <a:pPr marL="0" indent="0">
               <a:buNone/>
             </a:pPr>
-            <a:endParaRPr lang="en-US" dirty="0"/>
-          </a:p>
-        </p:txBody>
-      </p:sp>
+            <a:r>
+              <a:rPr lang="en-US"/>
+              <a:t> </a:t>
+            </a:r>
+          </a:p>
+        </p:txBody>
+      </p:sp>
+      <p:pic>
+        <p:nvPicPr>
+          <p:cNvPr id="5" name="Picture 4">
+            <a:extLst>
+              <a:ext uri="{FF2B5EF4-FFF2-40B4-BE49-F238E27FC236}">
+                <a16:creationId xmlns:a16="http://schemas.microsoft.com/office/drawing/2014/main" id="{95479E71-9AFD-4413-9077-0C7B33F927E0}"/>
+              </a:ext>
+            </a:extLst>
+          </p:cNvPr>
+          <p:cNvPicPr>
+            <a:picLocks noChangeAspect="1"/>
+          </p:cNvPicPr>
+          <p:nvPr/>
+        </p:nvPicPr>
+        <p:blipFill>
+          <a:blip r:embed="rId2">
+            <a:extLst>
+              <a:ext uri="{28A0092B-C50C-407E-A947-70E740481C1C}">
+                <a14:useLocalDpi xmlns:a14="http://schemas.microsoft.com/office/drawing/2010/main" val="0"/>
+              </a:ext>
+            </a:extLst>
+          </a:blip>
+          <a:stretch>
+            <a:fillRect/>
+          </a:stretch>
+        </p:blipFill>
+        <p:spPr>
+          <a:xfrm>
+            <a:off x="1676400" y="228600"/>
+            <a:ext cx="5791200" cy="5665055"/>
+          </a:xfrm>
+          <a:prstGeom prst="rect">
+            <a:avLst/>
+          </a:prstGeom>
+        </p:spPr>
+      </p:pic>
     </p:spTree>
+    <p:extLst>
+      <p:ext uri="{BB962C8B-B14F-4D97-AF65-F5344CB8AC3E}">
+        <p14:creationId xmlns:p14="http://schemas.microsoft.com/office/powerpoint/2010/main" val="999498236"/>
+      </p:ext>
+    </p:extLst>
+  </p:cSld>
+  <p:clrMapOvr>
+    <a:masterClrMapping/>
+  </p:clrMapOvr>
+</p:sld>
+</file>
+
+<file path=ppt/slides/slide14.xml><?xml version="1.0" encoding="utf-8"?>
+<p:sld xmlns:a="http://schemas.openxmlformats.org/drawingml/2006/main" xmlns:r="http://schemas.openxmlformats.org/officeDocument/2006/relationships" xmlns:p="http://schemas.openxmlformats.org/presentationml/2006/main">
+  <p:cSld>
+    <p:spTree>
+      <p:nvGrpSpPr>
+        <p:cNvPr id="1" name=""/>
+        <p:cNvGrpSpPr/>
+        <p:nvPr/>
+      </p:nvGrpSpPr>
+      <p:grpSpPr>
+        <a:xfrm>
+          <a:off x="0" y="0"/>
+          <a:ext cx="0" cy="0"/>
+          <a:chOff x="0" y="0"/>
+          <a:chExt cx="0" cy="0"/>
+        </a:xfrm>
+      </p:grpSpPr>
+      <mc:AlternateContent xmlns:mc="http://schemas.openxmlformats.org/markup-compatibility/2006">
+        <mc:Choice xmlns:a14="http://schemas.microsoft.com/office/drawing/2010/main" Requires="a14">
+          <p:sp>
+            <p:nvSpPr>
+              <p:cNvPr id="2" name="Content Placeholder 1">
+                <a:extLst>
+                  <a:ext uri="{FF2B5EF4-FFF2-40B4-BE49-F238E27FC236}">
+                    <a16:creationId xmlns:a16="http://schemas.microsoft.com/office/drawing/2014/main" id="{D26B974A-4EF1-496F-B8AD-BDF44B748137}"/>
+                  </a:ext>
+                </a:extLst>
+              </p:cNvPr>
+              <p:cNvSpPr>
+                <a:spLocks noGrp="1"/>
+              </p:cNvSpPr>
+              <p:nvPr>
+                <p:ph idx="1"/>
+              </p:nvPr>
+            </p:nvSpPr>
+            <p:spPr>
+              <a:xfrm>
+                <a:off x="457200" y="457200"/>
+                <a:ext cx="8229600" cy="5638800"/>
+              </a:xfrm>
+            </p:spPr>
+            <p:txBody>
+              <a:bodyPr>
+                <a:normAutofit fontScale="92500" lnSpcReduction="20000"/>
+              </a:bodyPr>
+              <a:lstStyle/>
+              <a:p>
+                <a:pPr marL="822960" lvl="1" indent="-457200">
+                  <a:buFont typeface="+mj-lt"/>
+                  <a:buAutoNum type="arabicPeriod" startAt="3"/>
+                </a:pPr>
+                <a:r>
+                  <a:rPr lang="en-US">
+                    <a:latin typeface="Arial" panose="020B0604020202020204" pitchFamily="34" charset="0"/>
+                    <a:cs typeface="Arial" panose="020B0604020202020204" pitchFamily="34" charset="0"/>
+                  </a:rPr>
+                  <a:t> Cơ sở lý thuyết cho hình thức mã hóa công khai</a:t>
+                </a:r>
+              </a:p>
+              <a:p>
+                <a:pPr marL="1033463" lvl="2" indent="-257175">
+                  <a:buFont typeface="Arial" panose="020B0604020202020204" pitchFamily="34" charset="0"/>
+                  <a:buChar char="–"/>
+                </a:pPr>
+                <a:r>
+                  <a:rPr lang="en-US">
+                    <a:latin typeface="Arial" panose="020B0604020202020204" pitchFamily="34" charset="0"/>
+                    <a:cs typeface="Arial" panose="020B0604020202020204" pitchFamily="34" charset="0"/>
+                  </a:rPr>
+                  <a:t>Hình thức mã hóa công khai được xây dựng dựa trên cơ sở hàm một phía.</a:t>
+                </a:r>
+              </a:p>
+              <a:p>
+                <a:pPr marL="1033463" lvl="2" indent="-257175">
+                  <a:buFont typeface="Arial" panose="020B0604020202020204" pitchFamily="34" charset="0"/>
+                  <a:buChar char="–"/>
+                </a:pPr>
+                <a:r>
+                  <a:rPr lang="en-US">
+                    <a:latin typeface="Arial" panose="020B0604020202020204" pitchFamily="34" charset="0"/>
+                    <a:cs typeface="Arial" panose="020B0604020202020204" pitchFamily="34" charset="0"/>
+                  </a:rPr>
+                  <a:t>Hàm một phía là hàm mà dễ tính toán ra quan hệ một chiều nhưng rất khó để tính ngược lại. Biết giả thuyết x có thể dễ dàng tính ra f(x), nhưng từ giá trị f(x) mà tính ra được x thì thật “khó” mà giải ra được. Cái “khó” ở đây có nghĩa là phải mất hàng nghìn, hàng triệu năm để tính toán, thậm chí cứ cho tất cả máy tính trên thế giới đều làm công việc đó.</a:t>
+                </a:r>
+              </a:p>
+              <a:p>
+                <a:pPr marL="1033463" lvl="2" indent="-257175">
+                  <a:buFont typeface="Arial" panose="020B0604020202020204" pitchFamily="34" charset="0"/>
+                  <a:buChar char="–"/>
+                </a:pPr>
+                <a:r>
+                  <a:rPr lang="en-US">
+                    <a:latin typeface="Arial" panose="020B0604020202020204" pitchFamily="34" charset="0"/>
+                    <a:cs typeface="Arial" panose="020B0604020202020204" pitchFamily="34" charset="0"/>
+                  </a:rPr>
+                  <a:t>Giả sử giải bài toán như sau:</a:t>
+                </a:r>
+              </a:p>
+              <a:p>
+                <a:pPr marL="1311275" lvl="2" indent="-342900"/>
+                <a:r>
+                  <a:rPr lang="en-US">
+                    <a:latin typeface="Arial" panose="020B0604020202020204" pitchFamily="34" charset="0"/>
+                    <a:cs typeface="Arial" panose="020B0604020202020204" pitchFamily="34" charset="0"/>
+                  </a:rPr>
+                  <a:t>Bài toán thuận: Tính f(x,y) = </a:t>
+                </a:r>
+                <a14:m>
+                  <m:oMath xmlns:m="http://schemas.openxmlformats.org/officeDocument/2006/math">
+                    <m:sSup>
+                      <m:sSupPr>
+                        <m:ctrlPr>
+                          <a:rPr lang="en-US" i="1" smtClean="0">
+                            <a:latin typeface="Cambria Math" panose="02040503050406030204" pitchFamily="18" charset="0"/>
+                            <a:cs typeface="Arial" panose="020B0604020202020204" pitchFamily="34" charset="0"/>
+                          </a:rPr>
+                        </m:ctrlPr>
+                      </m:sSupPr>
+                      <m:e>
+                        <m:r>
+                          <a:rPr lang="en-US" b="0" i="1" smtClean="0">
+                            <a:latin typeface="Cambria Math" panose="02040503050406030204" pitchFamily="18" charset="0"/>
+                            <a:cs typeface="Arial" panose="020B0604020202020204" pitchFamily="34" charset="0"/>
+                          </a:rPr>
+                          <m:t>1232</m:t>
+                        </m:r>
+                      </m:e>
+                      <m:sup>
+                        <m:r>
+                          <a:rPr lang="en-US" b="0" i="1" smtClean="0">
+                            <a:latin typeface="Cambria Math" panose="02040503050406030204" pitchFamily="18" charset="0"/>
+                            <a:cs typeface="Arial" panose="020B0604020202020204" pitchFamily="34" charset="0"/>
+                          </a:rPr>
+                          <m:t>𝑥</m:t>
+                        </m:r>
+                      </m:sup>
+                    </m:sSup>
+                  </m:oMath>
+                </a14:m>
+                <a:r>
+                  <a:rPr lang="en-US">
+                    <a:latin typeface="Arial" panose="020B0604020202020204" pitchFamily="34" charset="0"/>
+                    <a:cs typeface="Arial" panose="020B0604020202020204" pitchFamily="34" charset="0"/>
+                  </a:rPr>
+                  <a:t> + </a:t>
+                </a:r>
+                <a14:m>
+                  <m:oMath xmlns:m="http://schemas.openxmlformats.org/officeDocument/2006/math">
+                    <m:sSup>
+                      <m:sSupPr>
+                        <m:ctrlPr>
+                          <a:rPr lang="en-US" i="1" smtClean="0">
+                            <a:latin typeface="Cambria Math" panose="02040503050406030204" pitchFamily="18" charset="0"/>
+                            <a:cs typeface="Arial" panose="020B0604020202020204" pitchFamily="34" charset="0"/>
+                          </a:rPr>
+                        </m:ctrlPr>
+                      </m:sSupPr>
+                      <m:e>
+                        <m:r>
+                          <a:rPr lang="en-US" b="0" i="1" smtClean="0">
+                            <a:latin typeface="Cambria Math" panose="02040503050406030204" pitchFamily="18" charset="0"/>
+                            <a:cs typeface="Arial" panose="020B0604020202020204" pitchFamily="34" charset="0"/>
+                          </a:rPr>
+                          <m:t>342</m:t>
+                        </m:r>
+                      </m:e>
+                      <m:sup>
+                        <m:r>
+                          <a:rPr lang="en-US" b="0" i="1" smtClean="0">
+                            <a:latin typeface="Cambria Math" panose="02040503050406030204" pitchFamily="18" charset="0"/>
+                            <a:cs typeface="Arial" panose="020B0604020202020204" pitchFamily="34" charset="0"/>
+                          </a:rPr>
+                          <m:t>𝑦</m:t>
+                        </m:r>
+                      </m:sup>
+                    </m:sSup>
+                  </m:oMath>
+                </a14:m>
+                <a:r>
+                  <a:rPr lang="en-US">
+                    <a:latin typeface="Arial" panose="020B0604020202020204" pitchFamily="34" charset="0"/>
+                    <a:cs typeface="Arial" panose="020B0604020202020204" pitchFamily="34" charset="0"/>
+                  </a:rPr>
+                  <a:t> tại x = 1, y = 2</a:t>
+                </a:r>
+              </a:p>
+              <a:p>
+                <a:pPr marL="1585595" lvl="3" indent="-342900">
+                  <a:buFont typeface="Wingdings" panose="05000000000000000000" pitchFamily="2" charset="2"/>
+                  <a:buChar char="Ø"/>
+                </a:pPr>
+                <a:r>
+                  <a:rPr lang="en-US">
+                    <a:latin typeface="Arial" panose="020B0604020202020204" pitchFamily="34" charset="0"/>
+                    <a:cs typeface="Arial" panose="020B0604020202020204" pitchFamily="34" charset="0"/>
+                  </a:rPr>
+                  <a:t>Việc giải bài toán này thì rất dễ dàng ta chỉ cần thay x = 1 và y = 2 vào rồi thực hiện cộng lại các số hạng là ra kết quả.</a:t>
+                </a:r>
+              </a:p>
+              <a:p>
+                <a:pPr marL="1585595" lvl="3" indent="-342900">
+                  <a:buFont typeface="Wingdings" panose="05000000000000000000" pitchFamily="2" charset="2"/>
+                  <a:buChar char="Ø"/>
+                </a:pPr>
+                <a:endParaRPr lang="en-US">
+                  <a:latin typeface="Arial" panose="020B0604020202020204" pitchFamily="34" charset="0"/>
+                  <a:cs typeface="Arial" panose="020B0604020202020204" pitchFamily="34" charset="0"/>
+                </a:endParaRPr>
+              </a:p>
+              <a:p>
+                <a:pPr marL="1311275" lvl="2" indent="-342900"/>
+                <a:r>
+                  <a:rPr lang="en-US">
+                    <a:latin typeface="Arial" panose="020B0604020202020204" pitchFamily="34" charset="0"/>
+                    <a:cs typeface="Arial" panose="020B0604020202020204" pitchFamily="34" charset="0"/>
+                  </a:rPr>
+                  <a:t>Bài toán ngược: Tìm số x vày sao cho </a:t>
+                </a:r>
+                <a14:m>
+                  <m:oMath xmlns:m="http://schemas.openxmlformats.org/officeDocument/2006/math">
+                    <m:sSup>
+                      <m:sSupPr>
+                        <m:ctrlPr>
+                          <a:rPr lang="en-US" i="1" smtClean="0">
+                            <a:latin typeface="Cambria Math" panose="02040503050406030204" pitchFamily="18" charset="0"/>
+                            <a:cs typeface="Arial" panose="020B0604020202020204" pitchFamily="34" charset="0"/>
+                          </a:rPr>
+                        </m:ctrlPr>
+                      </m:sSupPr>
+                      <m:e>
+                        <m:r>
+                          <a:rPr lang="en-US" b="0" i="1" smtClean="0">
+                            <a:latin typeface="Cambria Math" panose="02040503050406030204" pitchFamily="18" charset="0"/>
+                            <a:cs typeface="Arial" panose="020B0604020202020204" pitchFamily="34" charset="0"/>
+                          </a:rPr>
+                          <m:t>1232</m:t>
+                        </m:r>
+                      </m:e>
+                      <m:sup>
+                        <m:r>
+                          <a:rPr lang="en-US" b="0" i="1" smtClean="0">
+                            <a:latin typeface="Cambria Math" panose="02040503050406030204" pitchFamily="18" charset="0"/>
+                            <a:cs typeface="Arial" panose="020B0604020202020204" pitchFamily="34" charset="0"/>
+                          </a:rPr>
+                          <m:t>𝑥</m:t>
+                        </m:r>
+                      </m:sup>
+                    </m:sSup>
+                  </m:oMath>
+                </a14:m>
+                <a:r>
+                  <a:rPr lang="en-US">
+                    <a:latin typeface="Arial" panose="020B0604020202020204" pitchFamily="34" charset="0"/>
+                    <a:cs typeface="Arial" panose="020B0604020202020204" pitchFamily="34" charset="0"/>
+                  </a:rPr>
+                  <a:t> + </a:t>
+                </a:r>
+                <a14:m>
+                  <m:oMath xmlns:m="http://schemas.openxmlformats.org/officeDocument/2006/math">
+                    <m:sSup>
+                      <m:sSupPr>
+                        <m:ctrlPr>
+                          <a:rPr lang="en-US" i="1" smtClean="0">
+                            <a:latin typeface="Cambria Math" panose="02040503050406030204" pitchFamily="18" charset="0"/>
+                            <a:cs typeface="Arial" panose="020B0604020202020204" pitchFamily="34" charset="0"/>
+                          </a:rPr>
+                        </m:ctrlPr>
+                      </m:sSupPr>
+                      <m:e>
+                        <m:r>
+                          <a:rPr lang="en-US" b="0" i="1" smtClean="0">
+                            <a:latin typeface="Cambria Math" panose="02040503050406030204" pitchFamily="18" charset="0"/>
+                            <a:cs typeface="Arial" panose="020B0604020202020204" pitchFamily="34" charset="0"/>
+                          </a:rPr>
+                          <m:t>342</m:t>
+                        </m:r>
+                      </m:e>
+                      <m:sup>
+                        <m:r>
+                          <a:rPr lang="en-US" b="0" i="1" smtClean="0">
+                            <a:latin typeface="Cambria Math" panose="02040503050406030204" pitchFamily="18" charset="0"/>
+                            <a:cs typeface="Arial" panose="020B0604020202020204" pitchFamily="34" charset="0"/>
+                          </a:rPr>
+                          <m:t>𝑦</m:t>
+                        </m:r>
+                      </m:sup>
+                    </m:sSup>
+                  </m:oMath>
+                </a14:m>
+                <a:r>
+                  <a:rPr lang="en-US">
+                    <a:latin typeface="Arial" panose="020B0604020202020204" pitchFamily="34" charset="0"/>
+                    <a:cs typeface="Arial" panose="020B0604020202020204" pitchFamily="34" charset="0"/>
+                  </a:rPr>
+                  <a:t> = </a:t>
+                </a:r>
+                <a14:m>
+                  <m:oMath xmlns:m="http://schemas.openxmlformats.org/officeDocument/2006/math">
+                    <m:sSup>
+                      <m:sSupPr>
+                        <m:ctrlPr>
+                          <a:rPr lang="en-US" i="1">
+                            <a:latin typeface="Cambria Math" panose="02040503050406030204" pitchFamily="18" charset="0"/>
+                            <a:cs typeface="Arial" panose="020B0604020202020204" pitchFamily="34" charset="0"/>
+                          </a:rPr>
+                        </m:ctrlPr>
+                      </m:sSupPr>
+                      <m:e>
+                        <m:r>
+                          <a:rPr lang="en-US" b="0" i="1" smtClean="0">
+                            <a:latin typeface="Cambria Math" panose="02040503050406030204" pitchFamily="18" charset="0"/>
+                            <a:cs typeface="Arial" panose="020B0604020202020204" pitchFamily="34" charset="0"/>
+                          </a:rPr>
+                          <m:t>387832748</m:t>
+                        </m:r>
+                      </m:e>
+                      <m:sup>
+                        <m:r>
+                          <a:rPr lang="en-US" b="0" i="1" smtClean="0">
+                            <a:latin typeface="Cambria Math" panose="02040503050406030204" pitchFamily="18" charset="0"/>
+                            <a:cs typeface="Arial" panose="020B0604020202020204" pitchFamily="34" charset="0"/>
+                          </a:rPr>
+                          <m:t>8237712894719</m:t>
+                        </m:r>
+                      </m:sup>
+                    </m:sSup>
+                  </m:oMath>
+                </a14:m>
+                <a:r>
+                  <a:rPr lang="en-US">
+                    <a:latin typeface="Arial" panose="020B0604020202020204" pitchFamily="34" charset="0"/>
+                    <a:cs typeface="Arial" panose="020B0604020202020204" pitchFamily="34" charset="0"/>
+                  </a:rPr>
+                  <a:t> , nếu không có kết quả trả về false</a:t>
+                </a:r>
+              </a:p>
+              <a:p>
+                <a:pPr marL="1393508" lvl="3" indent="-342900">
+                  <a:buFont typeface="Wingdings" panose="05000000000000000000" pitchFamily="2" charset="2"/>
+                  <a:buChar char="Ø"/>
+                </a:pPr>
+                <a:r>
+                  <a:rPr lang="en-US">
+                    <a:latin typeface="Arial" panose="020B0604020202020204" pitchFamily="34" charset="0"/>
+                    <a:cs typeface="Arial" panose="020B0604020202020204" pitchFamily="34" charset="0"/>
+                  </a:rPr>
+                  <a:t>Ta nhận thấy rằng, con số </a:t>
+                </a:r>
+                <a14:m>
+                  <m:oMath xmlns:m="http://schemas.openxmlformats.org/officeDocument/2006/math">
+                    <m:sSup>
+                      <m:sSupPr>
+                        <m:ctrlPr>
+                          <a:rPr lang="en-US" i="1" smtClean="0">
+                            <a:latin typeface="Cambria Math" panose="02040503050406030204" pitchFamily="18" charset="0"/>
+                            <a:cs typeface="Arial" panose="020B0604020202020204" pitchFamily="34" charset="0"/>
+                          </a:rPr>
+                        </m:ctrlPr>
+                      </m:sSupPr>
+                      <m:e>
+                        <m:r>
+                          <a:rPr lang="en-US" b="0" i="1" smtClean="0">
+                            <a:latin typeface="Cambria Math" panose="02040503050406030204" pitchFamily="18" charset="0"/>
+                            <a:cs typeface="Arial" panose="020B0604020202020204" pitchFamily="34" charset="0"/>
+                          </a:rPr>
+                          <m:t>387832748</m:t>
+                        </m:r>
+                      </m:e>
+                      <m:sup>
+                        <m:r>
+                          <a:rPr lang="en-US" b="0" i="1" smtClean="0">
+                            <a:latin typeface="Cambria Math" panose="02040503050406030204" pitchFamily="18" charset="0"/>
+                            <a:cs typeface="Arial" panose="020B0604020202020204" pitchFamily="34" charset="0"/>
+                          </a:rPr>
+                          <m:t>8237712894719</m:t>
+                        </m:r>
+                      </m:sup>
+                    </m:sSup>
+                  </m:oMath>
+                </a14:m>
+                <a:r>
+                  <a:rPr lang="en-US">
+                    <a:latin typeface="Arial" panose="020B0604020202020204" pitchFamily="34" charset="0"/>
+                    <a:cs typeface="Arial" panose="020B0604020202020204" pitchFamily="34" charset="0"/>
+                  </a:rPr>
+                  <a:t> vô cùng lớn, để giải bài toán này máy tính phải dò x và y cho đến khi biểu thức trả về giá trị true. Và điều này thật không dễ dàng, máy tính phải thức hiện hàng tỷ tỷ phép tính dẫn đến thời gian hoàn thành toàn bộ tính toán phải đến hang nghìn hàng triệu năm.</a:t>
+                </a:r>
+              </a:p>
+            </p:txBody>
+          </p:sp>
+        </mc:Choice>
+        <mc:Fallback>
+          <p:sp>
+            <p:nvSpPr>
+              <p:cNvPr id="2" name="Content Placeholder 1">
+                <a:extLst>
+                  <a:ext uri="{FF2B5EF4-FFF2-40B4-BE49-F238E27FC236}">
+                    <a16:creationId xmlns:a16="http://schemas.microsoft.com/office/drawing/2014/main" id="{D26B974A-4EF1-496F-B8AD-BDF44B748137}"/>
+                  </a:ext>
+                </a:extLst>
+              </p:cNvPr>
+              <p:cNvSpPr>
+                <a:spLocks noGrp="1" noRot="1" noChangeAspect="1" noMove="1" noResize="1" noEditPoints="1" noAdjustHandles="1" noChangeArrowheads="1" noChangeShapeType="1" noTextEdit="1"/>
+              </p:cNvSpPr>
+              <p:nvPr>
+                <p:ph idx="1"/>
+              </p:nvPr>
+            </p:nvSpPr>
+            <p:spPr>
+              <a:xfrm>
+                <a:off x="457200" y="457200"/>
+                <a:ext cx="8229600" cy="5638800"/>
+              </a:xfrm>
+              <a:blipFill>
+                <a:blip r:embed="rId2"/>
+                <a:stretch>
+                  <a:fillRect t="-1838" r="-1259"/>
+                </a:stretch>
+              </a:blipFill>
+            </p:spPr>
+            <p:txBody>
+              <a:bodyPr/>
+              <a:lstStyle/>
+              <a:p>
+                <a:r>
+                  <a:rPr lang="en-US">
+                    <a:noFill/>
+                  </a:rPr>
+                  <a:t> </a:t>
+                </a:r>
+              </a:p>
+            </p:txBody>
+          </p:sp>
+        </mc:Fallback>
+      </mc:AlternateContent>
+    </p:spTree>
+    <p:extLst>
+      <p:ext uri="{BB962C8B-B14F-4D97-AF65-F5344CB8AC3E}">
+        <p14:creationId xmlns:p14="http://schemas.microsoft.com/office/powerpoint/2010/main" val="1532207643"/>
+      </p:ext>
+    </p:extLst>
+  </p:cSld>
+  <p:clrMapOvr>
+    <a:masterClrMapping/>
+  </p:clrMapOvr>
+</p:sld>
+</file>
+
+<file path=ppt/slides/slide15.xml><?xml version="1.0" encoding="utf-8"?>
+<p:sld xmlns:a="http://schemas.openxmlformats.org/drawingml/2006/main" xmlns:r="http://schemas.openxmlformats.org/officeDocument/2006/relationships" xmlns:p="http://schemas.openxmlformats.org/presentationml/2006/main">
+  <p:cSld>
+    <p:spTree>
+      <p:nvGrpSpPr>
+        <p:cNvPr id="1" name=""/>
+        <p:cNvGrpSpPr/>
+        <p:nvPr/>
+      </p:nvGrpSpPr>
+      <p:grpSpPr>
+        <a:xfrm>
+          <a:off x="0" y="0"/>
+          <a:ext cx="0" cy="0"/>
+          <a:chOff x="0" y="0"/>
+          <a:chExt cx="0" cy="0"/>
+        </a:xfrm>
+      </p:grpSpPr>
+      <p:sp>
+        <p:nvSpPr>
+          <p:cNvPr id="2" name="Content Placeholder 1">
+            <a:extLst>
+              <a:ext uri="{FF2B5EF4-FFF2-40B4-BE49-F238E27FC236}">
+                <a16:creationId xmlns:a16="http://schemas.microsoft.com/office/drawing/2014/main" id="{9754F6D6-DF95-44A1-B608-EF33FD6294A4}"/>
+              </a:ext>
+            </a:extLst>
+          </p:cNvPr>
+          <p:cNvSpPr>
+            <a:spLocks noGrp="1"/>
+          </p:cNvSpPr>
+          <p:nvPr>
+            <p:ph idx="1"/>
+          </p:nvPr>
+        </p:nvSpPr>
+        <p:spPr>
+          <a:xfrm>
+            <a:off x="457200" y="457200"/>
+            <a:ext cx="8229600" cy="5638800"/>
+          </a:xfrm>
+        </p:spPr>
+        <p:txBody>
+          <a:bodyPr/>
+          <a:lstStyle/>
+          <a:p>
+            <a:pPr marL="880110" lvl="1" indent="-514350">
+              <a:buFont typeface="+mj-lt"/>
+              <a:buAutoNum type="arabicPeriod" startAt="3"/>
+            </a:pPr>
+            <a:r>
+              <a:rPr lang="en-US">
+                <a:latin typeface="Arial" panose="020B0604020202020204" pitchFamily="34" charset="0"/>
+                <a:cs typeface="Arial" panose="020B0604020202020204" pitchFamily="34" charset="0"/>
+              </a:rPr>
+              <a:t>Các hệ mã hóa công khai phổ biến và được đánh giá cao nhất hiện nay</a:t>
+            </a:r>
+          </a:p>
+          <a:p>
+            <a:pPr marL="1033463" lvl="1" indent="-273050">
+              <a:buFont typeface="Arial" panose="020B0604020202020204" pitchFamily="34" charset="0"/>
+              <a:buChar char="•"/>
+            </a:pPr>
+            <a:r>
+              <a:rPr lang="vi-VN">
+                <a:solidFill>
+                  <a:schemeClr val="tx1"/>
+                </a:solidFill>
+                <a:latin typeface="Arial" panose="020B0604020202020204" pitchFamily="34" charset="0"/>
+              </a:rPr>
+              <a:t>Trao đổi khóa Diffie-Hellman</a:t>
+            </a:r>
+            <a:endParaRPr lang="vi-VN" b="0" i="0">
+              <a:solidFill>
+                <a:schemeClr val="tx1"/>
+              </a:solidFill>
+              <a:effectLst/>
+              <a:latin typeface="Arial" panose="020B0604020202020204" pitchFamily="34" charset="0"/>
+            </a:endParaRPr>
+          </a:p>
+          <a:p>
+            <a:pPr marL="1033463" lvl="1" indent="-273050">
+              <a:buFont typeface="Arial" panose="020B0604020202020204" pitchFamily="34" charset="0"/>
+              <a:buChar char="•"/>
+            </a:pPr>
+            <a:r>
+              <a:rPr lang="vi-VN">
+                <a:solidFill>
+                  <a:schemeClr val="tx1"/>
+                </a:solidFill>
+                <a:latin typeface="Arial" panose="020B0604020202020204" pitchFamily="34" charset="0"/>
+              </a:rPr>
+              <a:t>DSS</a:t>
+            </a:r>
+            <a:r>
+              <a:rPr lang="vi-VN" b="0" i="0">
+                <a:solidFill>
+                  <a:schemeClr val="tx1"/>
+                </a:solidFill>
+                <a:effectLst/>
+                <a:latin typeface="Arial" panose="020B0604020202020204" pitchFamily="34" charset="0"/>
+              </a:rPr>
+              <a:t> (Tiêu chuẩn chữ ký số)</a:t>
+            </a:r>
+          </a:p>
+          <a:p>
+            <a:pPr marL="1033463" lvl="1" indent="-273050">
+              <a:buFont typeface="Arial" panose="020B0604020202020204" pitchFamily="34" charset="0"/>
+              <a:buChar char="•"/>
+            </a:pPr>
+            <a:r>
+              <a:rPr lang="vi-VN">
+                <a:solidFill>
+                  <a:schemeClr val="tx1"/>
+                </a:solidFill>
+                <a:latin typeface="Arial" panose="020B0604020202020204" pitchFamily="34" charset="0"/>
+              </a:rPr>
+              <a:t>ElGamal</a:t>
+            </a:r>
+            <a:endParaRPr lang="vi-VN" b="0" i="0">
+              <a:solidFill>
+                <a:schemeClr val="tx1"/>
+              </a:solidFill>
+              <a:effectLst/>
+              <a:latin typeface="Arial" panose="020B0604020202020204" pitchFamily="34" charset="0"/>
+            </a:endParaRPr>
+          </a:p>
+          <a:p>
+            <a:pPr marL="1033463" lvl="1" indent="-273050">
+              <a:buFont typeface="Arial" panose="020B0604020202020204" pitchFamily="34" charset="0"/>
+              <a:buChar char="•"/>
+            </a:pPr>
+            <a:r>
+              <a:rPr lang="vi-VN" b="0" i="0">
+                <a:solidFill>
+                  <a:schemeClr val="tx1"/>
+                </a:solidFill>
+                <a:effectLst/>
+                <a:latin typeface="Arial" panose="020B0604020202020204" pitchFamily="34" charset="0"/>
+              </a:rPr>
+              <a:t>Các kỹ thuật </a:t>
+            </a:r>
+            <a:r>
+              <a:rPr lang="vi-VN">
+                <a:solidFill>
+                  <a:schemeClr val="tx1"/>
+                </a:solidFill>
+                <a:latin typeface="Arial" panose="020B0604020202020204" pitchFamily="34" charset="0"/>
+              </a:rPr>
+              <a:t>Mã hóa đường cong elliptic</a:t>
+            </a:r>
+            <a:endParaRPr lang="vi-VN" b="0" i="0">
+              <a:solidFill>
+                <a:schemeClr val="tx1"/>
+              </a:solidFill>
+              <a:effectLst/>
+              <a:latin typeface="Arial" panose="020B0604020202020204" pitchFamily="34" charset="0"/>
+            </a:endParaRPr>
+          </a:p>
+          <a:p>
+            <a:pPr marL="1033463" lvl="1" indent="-273050">
+              <a:buFont typeface="Arial" panose="020B0604020202020204" pitchFamily="34" charset="0"/>
+              <a:buChar char="•"/>
+            </a:pPr>
+            <a:r>
+              <a:rPr lang="vi-VN" b="0" i="0">
+                <a:solidFill>
+                  <a:schemeClr val="tx1"/>
+                </a:solidFill>
+                <a:effectLst/>
+                <a:latin typeface="Arial" panose="020B0604020202020204" pitchFamily="34" charset="0"/>
+              </a:rPr>
+              <a:t>Các kỹ thuật </a:t>
+            </a:r>
+            <a:r>
+              <a:rPr lang="vi-VN">
+                <a:solidFill>
+                  <a:schemeClr val="tx1"/>
+                </a:solidFill>
+                <a:latin typeface="Arial" panose="020B0604020202020204" pitchFamily="34" charset="0"/>
+              </a:rPr>
+              <a:t>Thỏa thuật khóa chứng thực bằng mật khẩu</a:t>
+            </a:r>
+            <a:endParaRPr lang="vi-VN" b="0" i="0">
+              <a:solidFill>
+                <a:schemeClr val="tx1"/>
+              </a:solidFill>
+              <a:effectLst/>
+              <a:latin typeface="Arial" panose="020B0604020202020204" pitchFamily="34" charset="0"/>
+            </a:endParaRPr>
+          </a:p>
+          <a:p>
+            <a:pPr marL="1033463" lvl="1" indent="-273050">
+              <a:buFont typeface="Arial" panose="020B0604020202020204" pitchFamily="34" charset="0"/>
+              <a:buChar char="•"/>
+            </a:pPr>
+            <a:r>
+              <a:rPr lang="vi-VN">
+                <a:solidFill>
+                  <a:schemeClr val="tx1"/>
+                </a:solidFill>
+                <a:latin typeface="Arial" panose="020B0604020202020204" pitchFamily="34" charset="0"/>
+              </a:rPr>
+              <a:t>Hệ thống mật mã Paillier</a:t>
+            </a:r>
+            <a:endParaRPr lang="vi-VN" b="0" i="0">
+              <a:solidFill>
+                <a:schemeClr val="tx1"/>
+              </a:solidFill>
+              <a:effectLst/>
+              <a:latin typeface="Arial" panose="020B0604020202020204" pitchFamily="34" charset="0"/>
+            </a:endParaRPr>
+          </a:p>
+          <a:p>
+            <a:pPr marL="1033463" lvl="1" indent="-273050">
+              <a:buFont typeface="Arial" panose="020B0604020202020204" pitchFamily="34" charset="0"/>
+              <a:buChar char="•"/>
+            </a:pPr>
+            <a:r>
+              <a:rPr lang="vi-VN" b="0" i="0">
+                <a:solidFill>
+                  <a:schemeClr val="tx1"/>
+                </a:solidFill>
+                <a:effectLst/>
+                <a:latin typeface="Arial" panose="020B0604020202020204" pitchFamily="34" charset="0"/>
+              </a:rPr>
+              <a:t>Thuật toán mã hóa </a:t>
+            </a:r>
+            <a:r>
+              <a:rPr lang="vi-VN" b="0" i="0" u="none" strike="noStrike">
+                <a:solidFill>
+                  <a:schemeClr val="tx1"/>
+                </a:solidFill>
+                <a:effectLst/>
+                <a:latin typeface="Arial" panose="020B0604020202020204" pitchFamily="34" charset="0"/>
+                <a:hlinkClick r:id="rId2" tooltip="RSA (mã hóa)">
+                  <a:extLst>
+                    <a:ext uri="{A12FA001-AC4F-418D-AE19-62706E023703}">
+                      <ahyp:hlinkClr xmlns:ahyp="http://schemas.microsoft.com/office/drawing/2018/hyperlinkcolor" val="tx"/>
+                    </a:ext>
+                  </a:extLst>
+                </a:hlinkClick>
+              </a:rPr>
+              <a:t>RSA</a:t>
+            </a:r>
+            <a:r>
+              <a:rPr lang="vi-VN" b="0" i="0">
+                <a:solidFill>
+                  <a:schemeClr val="tx1"/>
+                </a:solidFill>
+                <a:effectLst/>
+                <a:latin typeface="Arial" panose="020B0604020202020204" pitchFamily="34" charset="0"/>
+              </a:rPr>
+              <a:t> (</a:t>
+            </a:r>
+            <a:r>
+              <a:rPr lang="vi-VN" b="0" i="0" u="none" strike="noStrike">
+                <a:solidFill>
+                  <a:schemeClr val="tx1"/>
+                </a:solidFill>
+                <a:effectLst/>
+                <a:latin typeface="Arial" panose="020B0604020202020204" pitchFamily="34" charset="0"/>
+                <a:hlinkClick r:id="rId3" tooltip="PKCS">
+                  <a:extLst>
+                    <a:ext uri="{A12FA001-AC4F-418D-AE19-62706E023703}">
+                      <ahyp:hlinkClr xmlns:ahyp="http://schemas.microsoft.com/office/drawing/2018/hyperlinkcolor" val="tx"/>
+                    </a:ext>
+                  </a:extLst>
+                </a:hlinkClick>
+              </a:rPr>
+              <a:t>PKCS</a:t>
+            </a:r>
+            <a:r>
+              <a:rPr lang="vi-VN" b="0" i="0">
+                <a:solidFill>
+                  <a:schemeClr val="tx1"/>
+                </a:solidFill>
+                <a:effectLst/>
+                <a:latin typeface="Arial" panose="020B0604020202020204" pitchFamily="34" charset="0"/>
+              </a:rPr>
+              <a:t>)</a:t>
+            </a:r>
+          </a:p>
+          <a:p>
+            <a:pPr marL="880110" lvl="1" indent="-514350">
+              <a:buFont typeface="+mj-lt"/>
+              <a:buAutoNum type="arabicPeriod" startAt="3"/>
+            </a:pPr>
+            <a:endParaRPr lang="en-US">
+              <a:latin typeface="Arial" panose="020B0604020202020204" pitchFamily="34" charset="0"/>
+              <a:cs typeface="Arial" panose="020B0604020202020204" pitchFamily="34" charset="0"/>
+            </a:endParaRPr>
+          </a:p>
+          <a:p>
+            <a:pPr marL="746125" lvl="1" indent="-379413">
+              <a:buFont typeface="Wingdings" panose="05000000000000000000" pitchFamily="2" charset="2"/>
+              <a:buChar char="Ø"/>
+            </a:pPr>
+            <a:r>
+              <a:rPr lang="en-US">
+                <a:latin typeface="Arial" panose="020B0604020202020204" pitchFamily="34" charset="0"/>
+                <a:cs typeface="Arial" panose="020B0604020202020204" pitchFamily="34" charset="0"/>
+              </a:rPr>
+              <a:t>Trong chủ đề ngày hôm nay chúng ta sẽ tìm hiểu về hệ mã hóa RSA (hệ mã hóa cơ bản nhất trong hệ thống hệ mã hóa công khai)</a:t>
+            </a:r>
+          </a:p>
+        </p:txBody>
+      </p:sp>
+    </p:spTree>
+    <p:extLst>
+      <p:ext uri="{BB962C8B-B14F-4D97-AF65-F5344CB8AC3E}">
+        <p14:creationId xmlns:p14="http://schemas.microsoft.com/office/powerpoint/2010/main" val="381140909"/>
+      </p:ext>
+    </p:extLst>
+  </p:cSld>
+  <p:clrMapOvr>
+    <a:masterClrMapping/>
+  </p:clrMapOvr>
+</p:sld>
+</file>
+
+<file path=ppt/slides/slide16.xml><?xml version="1.0" encoding="utf-8"?>
+<p:sld xmlns:a="http://schemas.openxmlformats.org/drawingml/2006/main" xmlns:r="http://schemas.openxmlformats.org/officeDocument/2006/relationships" xmlns:p="http://schemas.openxmlformats.org/presentationml/2006/main">
+  <p:cSld>
+    <p:spTree>
+      <p:nvGrpSpPr>
+        <p:cNvPr id="1" name=""/>
+        <p:cNvGrpSpPr/>
+        <p:nvPr/>
+      </p:nvGrpSpPr>
+      <p:grpSpPr>
+        <a:xfrm>
+          <a:off x="0" y="0"/>
+          <a:ext cx="0" cy="0"/>
+          <a:chOff x="0" y="0"/>
+          <a:chExt cx="0" cy="0"/>
+        </a:xfrm>
+      </p:grpSpPr>
+      <p:sp>
+        <p:nvSpPr>
+          <p:cNvPr id="3" name="Title 2">
+            <a:extLst>
+              <a:ext uri="{FF2B5EF4-FFF2-40B4-BE49-F238E27FC236}">
+                <a16:creationId xmlns:a16="http://schemas.microsoft.com/office/drawing/2014/main" id="{E772DBE0-796E-404D-8869-3614CF6A4D1B}"/>
+              </a:ext>
+            </a:extLst>
+          </p:cNvPr>
+          <p:cNvSpPr>
+            <a:spLocks noGrp="1"/>
+          </p:cNvSpPr>
+          <p:nvPr>
+            <p:ph type="title"/>
+          </p:nvPr>
+        </p:nvSpPr>
+        <p:spPr>
+          <a:xfrm>
+            <a:off x="533400" y="2667000"/>
+            <a:ext cx="8229600" cy="1219200"/>
+          </a:xfrm>
+        </p:spPr>
+        <p:txBody>
+          <a:bodyPr anchor="ctr"/>
+          <a:lstStyle/>
+          <a:p>
+            <a:pPr algn="ctr"/>
+            <a:r>
+              <a:rPr lang="en-US">
+                <a:solidFill>
+                  <a:srgbClr val="FF0000"/>
+                </a:solidFill>
+              </a:rPr>
+              <a:t>HỆ MÃ HÓA CÔNG KHAI RSA</a:t>
+            </a:r>
+          </a:p>
+        </p:txBody>
+      </p:sp>
+    </p:spTree>
+    <p:extLst>
+      <p:ext uri="{BB962C8B-B14F-4D97-AF65-F5344CB8AC3E}">
+        <p14:creationId xmlns:p14="http://schemas.microsoft.com/office/powerpoint/2010/main" val="2665985742"/>
+      </p:ext>
+    </p:extLst>
+  </p:cSld>
+  <p:clrMapOvr>
+    <a:masterClrMapping/>
+  </p:clrMapOvr>
+</p:sld>
+</file>
+
+<file path=ppt/slides/slide17.xml><?xml version="1.0" encoding="utf-8"?>
+<p:sld xmlns:a="http://schemas.openxmlformats.org/drawingml/2006/main" xmlns:r="http://schemas.openxmlformats.org/officeDocument/2006/relationships" xmlns:p="http://schemas.openxmlformats.org/presentationml/2006/main">
+  <p:cSld>
+    <p:spTree>
+      <p:nvGrpSpPr>
+        <p:cNvPr id="1" name=""/>
+        <p:cNvGrpSpPr/>
+        <p:nvPr/>
+      </p:nvGrpSpPr>
+      <p:grpSpPr>
+        <a:xfrm>
+          <a:off x="0" y="0"/>
+          <a:ext cx="0" cy="0"/>
+          <a:chOff x="0" y="0"/>
+          <a:chExt cx="0" cy="0"/>
+        </a:xfrm>
+      </p:grpSpPr>
+      <p:sp>
+        <p:nvSpPr>
+          <p:cNvPr id="2" name="Content Placeholder 1">
+            <a:extLst>
+              <a:ext uri="{FF2B5EF4-FFF2-40B4-BE49-F238E27FC236}">
+                <a16:creationId xmlns:a16="http://schemas.microsoft.com/office/drawing/2014/main" id="{58F83772-4F88-48AD-B05D-26AF800A7D96}"/>
+              </a:ext>
+            </a:extLst>
+          </p:cNvPr>
+          <p:cNvSpPr>
+            <a:spLocks noGrp="1"/>
+          </p:cNvSpPr>
+          <p:nvPr>
+            <p:ph idx="1"/>
+          </p:nvPr>
+        </p:nvSpPr>
+        <p:spPr/>
+        <p:txBody>
+          <a:bodyPr>
+            <a:normAutofit fontScale="92500" lnSpcReduction="10000"/>
+          </a:bodyPr>
+          <a:lstStyle/>
+          <a:p>
+            <a:pPr lvl="1">
+              <a:buFont typeface="Constantia" panose="02030602050306030303" pitchFamily="18" charset="0"/>
+              <a:buChar char="–"/>
+            </a:pPr>
+            <a:r>
+              <a:rPr lang="en-US"/>
+              <a:t>RSA là một mật mã hóa công khai, nó đánh dấu một sự tiến hóa vượt bậc của lĩnh vực mật mã học trong việc sử dụng khóa công khai. RSA được sử dụng phổ biến trong thương mại điện tử và được cho là đảm bảo an toàn với điều kiện độ dài khóa đủ lớn.</a:t>
+            </a:r>
+          </a:p>
+          <a:p>
+            <a:pPr lvl="1">
+              <a:buFont typeface="Constantia" panose="02030602050306030303" pitchFamily="18" charset="0"/>
+              <a:buChar char="–"/>
+            </a:pPr>
+            <a:r>
+              <a:rPr lang="en-US"/>
+              <a:t>Thuật toán RSA được mô tả đầu tiên vào năm 1977 tại học viện công nghệ Massachusetts (MIT) bởi ba tác giả Ron Revest, Adi Shamir và Len Adleman. Tên của thuật toán lấy từ 3 chữ cái đầu của tên tác giả.</a:t>
+            </a:r>
+          </a:p>
+          <a:p>
+            <a:pPr lvl="1">
+              <a:buFont typeface="Constantia" panose="02030602050306030303" pitchFamily="18" charset="0"/>
+              <a:buChar char="–"/>
+            </a:pPr>
+            <a:r>
+              <a:rPr lang="en-US"/>
+              <a:t>RSA là một thí dụ điển hình về một đề tài toán học trừu tượng lại có thể áp dụng thực tiễn vào đời sống thường nhật. Khi nghiên cứu về các số nguyên tố, ít ai có thể nghĩ rằng khái niệm số nguyên tố lại trở nên hữu dụng vào lĩnh vực truyền thông.</a:t>
+            </a:r>
+          </a:p>
+        </p:txBody>
+      </p:sp>
+      <p:sp>
+        <p:nvSpPr>
+          <p:cNvPr id="3" name="Title 2">
+            <a:extLst>
+              <a:ext uri="{FF2B5EF4-FFF2-40B4-BE49-F238E27FC236}">
+                <a16:creationId xmlns:a16="http://schemas.microsoft.com/office/drawing/2014/main" id="{C8718834-12B1-40ED-B1C8-3A9694BA7CCE}"/>
+              </a:ext>
+            </a:extLst>
+          </p:cNvPr>
+          <p:cNvSpPr>
+            <a:spLocks noGrp="1"/>
+          </p:cNvSpPr>
+          <p:nvPr>
+            <p:ph type="title"/>
+          </p:nvPr>
+        </p:nvSpPr>
+        <p:spPr/>
+        <p:txBody>
+          <a:bodyPr/>
+          <a:lstStyle/>
+          <a:p>
+            <a:r>
+              <a:rPr lang="en-US"/>
+              <a:t>Lịch sử ra đời của hệ mã RSA</a:t>
+            </a:r>
+          </a:p>
+        </p:txBody>
+      </p:sp>
+    </p:spTree>
+    <p:extLst>
+      <p:ext uri="{BB962C8B-B14F-4D97-AF65-F5344CB8AC3E}">
+        <p14:creationId xmlns:p14="http://schemas.microsoft.com/office/powerpoint/2010/main" val="1503333868"/>
+      </p:ext>
+    </p:extLst>
+  </p:cSld>
+  <p:clrMapOvr>
+    <a:masterClrMapping/>
+  </p:clrMapOvr>
+</p:sld>
+</file>
+
+<file path=ppt/slides/slide18.xml><?xml version="1.0" encoding="utf-8"?>
+<p:sld xmlns:a="http://schemas.openxmlformats.org/drawingml/2006/main" xmlns:r="http://schemas.openxmlformats.org/officeDocument/2006/relationships" xmlns:p="http://schemas.openxmlformats.org/presentationml/2006/main">
+  <p:cSld>
+    <p:spTree>
+      <p:nvGrpSpPr>
+        <p:cNvPr id="1" name=""/>
+        <p:cNvGrpSpPr/>
+        <p:nvPr/>
+      </p:nvGrpSpPr>
+      <p:grpSpPr>
+        <a:xfrm>
+          <a:off x="0" y="0"/>
+          <a:ext cx="0" cy="0"/>
+          <a:chOff x="0" y="0"/>
+          <a:chExt cx="0" cy="0"/>
+        </a:xfrm>
+      </p:grpSpPr>
+      <p:sp>
+        <p:nvSpPr>
+          <p:cNvPr id="2" name="Content Placeholder 1">
+            <a:extLst>
+              <a:ext uri="{FF2B5EF4-FFF2-40B4-BE49-F238E27FC236}">
+                <a16:creationId xmlns:a16="http://schemas.microsoft.com/office/drawing/2014/main" id="{DDC3C5C4-978D-43EC-814E-29E41A031B60}"/>
+              </a:ext>
+            </a:extLst>
+          </p:cNvPr>
+          <p:cNvSpPr>
+            <a:spLocks noGrp="1"/>
+          </p:cNvSpPr>
+          <p:nvPr>
+            <p:ph idx="1"/>
+          </p:nvPr>
+        </p:nvSpPr>
+        <p:spPr/>
+        <p:txBody>
+          <a:bodyPr/>
+          <a:lstStyle/>
+          <a:p>
+            <a:endParaRPr lang="en-US"/>
+          </a:p>
+        </p:txBody>
+      </p:sp>
+      <p:sp>
+        <p:nvSpPr>
+          <p:cNvPr id="3" name="Title 2">
+            <a:extLst>
+              <a:ext uri="{FF2B5EF4-FFF2-40B4-BE49-F238E27FC236}">
+                <a16:creationId xmlns:a16="http://schemas.microsoft.com/office/drawing/2014/main" id="{8EE7D55F-D4E0-4B75-830A-F15BA1154E14}"/>
+              </a:ext>
+            </a:extLst>
+          </p:cNvPr>
+          <p:cNvSpPr>
+            <a:spLocks noGrp="1"/>
+          </p:cNvSpPr>
+          <p:nvPr>
+            <p:ph type="title"/>
+          </p:nvPr>
+        </p:nvSpPr>
+        <p:spPr/>
+        <p:txBody>
+          <a:bodyPr/>
+          <a:lstStyle/>
+          <a:p>
+            <a:r>
+              <a:rPr lang="en-US"/>
+              <a:t>Thuật toán sinh khóa trong RSA</a:t>
+            </a:r>
+          </a:p>
+        </p:txBody>
+      </p:sp>
+    </p:spTree>
+    <p:extLst>
+      <p:ext uri="{BB962C8B-B14F-4D97-AF65-F5344CB8AC3E}">
+        <p14:creationId xmlns:p14="http://schemas.microsoft.com/office/powerpoint/2010/main" val="626873847"/>
+      </p:ext>
+    </p:extLst>
   </p:cSld>
   <p:clrMapOvr>
     <a:masterClrMapping/>
@@ -4100,7 +5794,7 @@
               <a:buChar char="Ø"/>
             </a:pPr>
             <a:r>
-              <a:rPr lang="en-US" dirty="0" smtClean="0">
+              <a:rPr lang="en-US" dirty="0">
                 <a:latin typeface="Arial" pitchFamily="34" charset="0"/>
                 <a:cs typeface="Arial" pitchFamily="34" charset="0"/>
               </a:rPr>
@@ -4113,7 +5807,7 @@
               <a:buChar char="Ø"/>
             </a:pPr>
             <a:r>
-              <a:rPr lang="en-US" dirty="0" smtClean="0">
+              <a:rPr lang="en-US" dirty="0">
                 <a:latin typeface="Arial" pitchFamily="34" charset="0"/>
                 <a:cs typeface="Arial" pitchFamily="34" charset="0"/>
               </a:rPr>
@@ -4126,7 +5820,7 @@
               <a:buChar char="Ø"/>
             </a:pPr>
             <a:r>
-              <a:rPr lang="en-US" dirty="0" smtClean="0">
+              <a:rPr lang="en-US" dirty="0">
                 <a:latin typeface="Arial" pitchFamily="34" charset="0"/>
                 <a:cs typeface="Arial" pitchFamily="34" charset="0"/>
               </a:rPr>
@@ -4139,7 +5833,7 @@
               <a:buChar char="Ø"/>
             </a:pPr>
             <a:r>
-              <a:rPr lang="en-US" dirty="0" smtClean="0">
+              <a:rPr lang="en-US" dirty="0">
                 <a:latin typeface="Arial" pitchFamily="34" charset="0"/>
                 <a:cs typeface="Arial" pitchFamily="34" charset="0"/>
               </a:rPr>
@@ -4152,7 +5846,7 @@
               <a:buChar char="Ø"/>
             </a:pPr>
             <a:r>
-              <a:rPr lang="en-US" dirty="0" smtClean="0">
+              <a:rPr lang="en-US" dirty="0">
                 <a:latin typeface="Arial" pitchFamily="34" charset="0"/>
                 <a:cs typeface="Arial" pitchFamily="34" charset="0"/>
               </a:rPr>
@@ -4165,7 +5859,7 @@
               <a:buChar char="Ø"/>
             </a:pPr>
             <a:r>
-              <a:rPr lang="en-US" dirty="0" smtClean="0">
+              <a:rPr lang="en-US" dirty="0">
                 <a:latin typeface="Arial" pitchFamily="34" charset="0"/>
                 <a:cs typeface="Arial" pitchFamily="34" charset="0"/>
               </a:rPr>
@@ -4200,10 +5894,9 @@
           <a:lstStyle/>
           <a:p>
             <a:r>
-              <a:rPr lang="en-US" dirty="0" smtClean="0"/>
+              <a:rPr lang="en-US" dirty="0"/>
               <a:t>CÁC NỘI DUNG CHÍNH</a:t>
             </a:r>
-            <a:endParaRPr lang="en-US" dirty="0"/>
           </a:p>
         </p:txBody>
       </p:sp>
@@ -4212,13 +5905,6 @@
   <p:clrMapOvr>
     <a:masterClrMapping/>
   </p:clrMapOvr>
-  <p:timing>
-    <p:tnLst>
-      <p:par>
-        <p:cTn id="1" dur="indefinite" restart="never" nodeType="tmRoot"/>
-      </p:par>
-    </p:tnLst>
-  </p:timing>
 </p:sld>
 </file>
 
@@ -4261,18 +5947,13 @@
           <a:p>
             <a:pPr algn="ctr"/>
             <a:r>
-              <a:rPr lang="en-US" dirty="0" smtClean="0">
+              <a:rPr lang="en-US" dirty="0">
                 <a:solidFill>
                   <a:srgbClr val="FF0000"/>
                 </a:solidFill>
               </a:rPr>
               <a:t>GIỚI THIỆU CHUNG</a:t>
             </a:r>
-            <a:endParaRPr lang="en-US" dirty="0">
-              <a:solidFill>
-                <a:srgbClr val="FF0000"/>
-              </a:solidFill>
-            </a:endParaRPr>
           </a:p>
         </p:txBody>
       </p:sp>
@@ -4281,13 +5962,6 @@
   <p:clrMapOvr>
     <a:masterClrMapping/>
   </p:clrMapOvr>
-  <p:timing>
-    <p:tnLst>
-      <p:par>
-        <p:cTn id="1" dur="indefinite" restart="never" nodeType="tmRoot"/>
-      </p:par>
-    </p:tnLst>
-  </p:timing>
 </p:sld>
 </file>
 
@@ -4330,16 +6004,12 @@
               <a:buChar char="-"/>
             </a:pPr>
             <a:r>
-              <a:rPr lang="en-US" dirty="0" smtClean="0">
+              <a:rPr lang="en-US" dirty="0">
                 <a:latin typeface="Arial" pitchFamily="34" charset="0"/>
                 <a:cs typeface="Arial" pitchFamily="34" charset="0"/>
               </a:rPr>
               <a:t>Trong mọi lĩnh vực kinh tế, chính trị quân sự,... luôn có nhu cầu trao đổi thông tin giữa các cá nhân, các công ty, tổ chức hoặc giữa các quốc gia với nhau. Ngày nay, với sự phát triển công nghệ thông tin đặc biệt là mạng internet thì việc truyền tải thông tin đã dễ dàng và nhanh chóng hơn.</a:t>
             </a:r>
-            <a:endParaRPr lang="en-US" dirty="0">
-              <a:latin typeface="Arial" pitchFamily="34" charset="0"/>
-              <a:cs typeface="Arial" pitchFamily="34" charset="0"/>
-            </a:endParaRPr>
           </a:p>
         </p:txBody>
       </p:sp>
@@ -4359,10 +6029,9 @@
           <a:lstStyle/>
           <a:p>
             <a:r>
-              <a:rPr lang="en-US" dirty="0" smtClean="0"/>
+              <a:rPr lang="en-US" dirty="0"/>
               <a:t>Giới thiệu chung</a:t>
             </a:r>
-            <a:endParaRPr lang="en-US" dirty="0"/>
           </a:p>
         </p:txBody>
       </p:sp>
@@ -4403,10 +6072,9 @@
           <a:p>
             <a:pPr algn="ctr"/>
             <a:r>
-              <a:rPr lang="en-US" dirty="0" smtClean="0"/>
+              <a:rPr lang="en-US" dirty="0"/>
               <a:t>Ông B nhận thông tin từ ông A</a:t>
             </a:r>
-            <a:endParaRPr lang="en-US" dirty="0"/>
           </a:p>
         </p:txBody>
       </p:sp>
@@ -4447,10 +6115,9 @@
           <a:p>
             <a:pPr algn="ctr"/>
             <a:r>
-              <a:rPr lang="en-US" dirty="0" smtClean="0"/>
+              <a:rPr lang="en-US" dirty="0"/>
               <a:t>Internet</a:t>
             </a:r>
-            <a:endParaRPr lang="en-US" dirty="0"/>
           </a:p>
         </p:txBody>
       </p:sp>
@@ -4491,10 +6158,9 @@
           <a:p>
             <a:pPr algn="ctr"/>
             <a:r>
-              <a:rPr lang="en-US" dirty="0" smtClean="0"/>
+              <a:rPr lang="en-US" dirty="0"/>
               <a:t>Thông tin ông A cần gửi đi</a:t>
             </a:r>
-            <a:endParaRPr lang="en-US" dirty="0"/>
           </a:p>
         </p:txBody>
       </p:sp>
@@ -4575,13 +6241,6 @@
   <p:clrMapOvr>
     <a:masterClrMapping/>
   </p:clrMapOvr>
-  <p:timing>
-    <p:tnLst>
-      <p:par>
-        <p:cTn id="1" dur="indefinite" restart="never" nodeType="tmRoot"/>
-      </p:par>
-    </p:tnLst>
-  </p:timing>
 </p:sld>
 </file>
 
@@ -4627,7 +6286,7 @@
               <a:buChar char="-"/>
             </a:pPr>
             <a:r>
-              <a:rPr lang="en-US" dirty="0" smtClean="0">
+              <a:rPr lang="en-US" dirty="0">
                 <a:latin typeface="Arial" pitchFamily="34" charset="0"/>
                 <a:cs typeface="Arial" pitchFamily="34" charset="0"/>
               </a:rPr>
@@ -4673,10 +6332,9 @@
           <a:p>
             <a:pPr algn="ctr"/>
             <a:r>
-              <a:rPr lang="en-US" dirty="0" smtClean="0"/>
+              <a:rPr lang="en-US" dirty="0"/>
               <a:t>Ông A tạo ra thông tin</a:t>
             </a:r>
-            <a:endParaRPr lang="en-US" dirty="0"/>
           </a:p>
         </p:txBody>
       </p:sp>
@@ -4717,10 +6375,9 @@
           <a:p>
             <a:pPr algn="ctr"/>
             <a:r>
-              <a:rPr lang="en-US" dirty="0" smtClean="0"/>
+              <a:rPr lang="en-US" dirty="0"/>
               <a:t>Mã hóa thông tin của ông A và gửi đi</a:t>
             </a:r>
-            <a:endParaRPr lang="en-US" dirty="0"/>
           </a:p>
         </p:txBody>
       </p:sp>
@@ -4761,10 +6418,9 @@
           <a:p>
             <a:pPr algn="ctr"/>
             <a:r>
-              <a:rPr lang="en-US" dirty="0" smtClean="0"/>
+              <a:rPr lang="en-US" dirty="0"/>
               <a:t>Internet</a:t>
             </a:r>
-            <a:endParaRPr lang="en-US" dirty="0"/>
           </a:p>
         </p:txBody>
       </p:sp>
@@ -4805,10 +6461,9 @@
           <a:p>
             <a:pPr algn="ctr"/>
             <a:r>
-              <a:rPr lang="en-US" dirty="0" smtClean="0"/>
+              <a:rPr lang="en-US" dirty="0"/>
               <a:t>Ông B nhận được thông tin từ ông A</a:t>
             </a:r>
-            <a:endParaRPr lang="en-US" dirty="0"/>
           </a:p>
         </p:txBody>
       </p:sp>
@@ -4849,10 +6504,9 @@
           <a:p>
             <a:pPr algn="ctr"/>
             <a:r>
-              <a:rPr lang="en-US" dirty="0" smtClean="0"/>
+              <a:rPr lang="en-US" dirty="0"/>
               <a:t>Nhận và giải mã thông tin của ông A</a:t>
             </a:r>
-            <a:endParaRPr lang="en-US" dirty="0"/>
           </a:p>
         </p:txBody>
       </p:sp>
@@ -5005,13 +6659,6 @@
   <p:clrMapOvr>
     <a:masterClrMapping/>
   </p:clrMapOvr>
-  <p:timing>
-    <p:tnLst>
-      <p:par>
-        <p:cTn id="1" dur="indefinite" restart="never" nodeType="tmRoot"/>
-      </p:par>
-    </p:tnLst>
-  </p:timing>
 </p:sld>
 </file>
 
@@ -5059,18 +6706,11 @@
               <a:buChar char="-"/>
             </a:pPr>
             <a:r>
-              <a:rPr lang="en-US" dirty="0" smtClean="0">
+              <a:rPr lang="en-US" dirty="0">
                 <a:latin typeface="Arial" pitchFamily="34" charset="0"/>
                 <a:cs typeface="Arial" pitchFamily="34" charset="0"/>
               </a:rPr>
-              <a:t>Với sự phát triển vượt bậc trong ngành khoa học mật mã hiện nay, có rất nhiều hệ mã hóa ra đời đánh dấu cho bước đột phá trong việc bảo mật cho hệ thống thông tin. </a:t>
-            </a:r>
-            <a:r>
-              <a:rPr lang="en-US" dirty="0" smtClean="0">
-                <a:latin typeface="Arial" pitchFamily="34" charset="0"/>
-                <a:cs typeface="Arial" pitchFamily="34" charset="0"/>
-              </a:rPr>
-              <a:t>Tuy nhiều như thế nhưng hệ mã hóa được chia thành 2 loại chính:</a:t>
+              <a:t>Với sự phát triển vượt bậc trong ngành khoa học mật mã hiện nay, có rất nhiều hệ mã hóa ra đời đánh dấu cho bước đột phá trong việc bảo mật cho hệ thống thông tin. Tuy nhiều như thế nhưng hệ mã hóa được chia thành 2 loại chính:</a:t>
             </a:r>
           </a:p>
           <a:p>
@@ -5079,7 +6719,7 @@
               <a:buChar char="•"/>
             </a:pPr>
             <a:r>
-              <a:rPr lang="en-US" sz="2400" dirty="0" smtClean="0">
+              <a:rPr lang="en-US" sz="2400" dirty="0">
                 <a:latin typeface="Arial" pitchFamily="34" charset="0"/>
                 <a:cs typeface="Arial" pitchFamily="34" charset="0"/>
               </a:rPr>
@@ -5092,16 +6732,12 @@
               <a:buChar char="•"/>
             </a:pPr>
             <a:r>
-              <a:rPr lang="en-US" sz="2400" dirty="0" smtClean="0">
+              <a:rPr lang="en-US" sz="2400" dirty="0">
                 <a:latin typeface="Arial" pitchFamily="34" charset="0"/>
                 <a:cs typeface="Arial" pitchFamily="34" charset="0"/>
               </a:rPr>
               <a:t>Hệ mã hóa bất đối xứng (hay còn gọi là hệ mã hóa công khai)</a:t>
             </a:r>
-            <a:endParaRPr lang="en-US" sz="2400" dirty="0" smtClean="0">
-              <a:latin typeface="Arial" pitchFamily="34" charset="0"/>
-              <a:cs typeface="Arial" pitchFamily="34" charset="0"/>
-            </a:endParaRPr>
           </a:p>
           <a:p>
             <a:pPr marL="693738" lvl="2" indent="-463550">
@@ -5109,30 +6745,12 @@
               <a:buChar char="-"/>
             </a:pPr>
             <a:r>
-              <a:rPr lang="en-US" sz="2400" dirty="0" smtClean="0">
+              <a:rPr lang="en-US" sz="2400" dirty="0">
                 <a:latin typeface="Arial" pitchFamily="34" charset="0"/>
                 <a:cs typeface="Arial" pitchFamily="34" charset="0"/>
               </a:rPr>
-              <a:t>Trong đề tài này chúng ta sẽ tìm hiểu về hệ mã hóa công khai, đây là loại mã hóa hiện đại, dữ liệu được mã hóa khó có thể bị giải mã bởi bên thứ 3, đảm bảo tính bí mật và toàn vẹn của dữ liệu. Được ứng dụng rộng rãi trong giao dịch điện tử như bitcoin, giao dịch ngân hàng... </a:t>
-            </a:r>
-            <a:r>
-              <a:rPr lang="en-US" sz="2400" dirty="0" smtClean="0">
-                <a:latin typeface="Arial" pitchFamily="34" charset="0"/>
-                <a:cs typeface="Arial" pitchFamily="34" charset="0"/>
-              </a:rPr>
-              <a:t>v</a:t>
-            </a:r>
-            <a:r>
-              <a:rPr lang="en-US" sz="2400" dirty="0" smtClean="0">
-                <a:latin typeface="Arial" pitchFamily="34" charset="0"/>
-                <a:cs typeface="Arial" pitchFamily="34" charset="0"/>
-              </a:rPr>
-              <a:t>à là nền tảng của kĩ thuật chữ kí điện tử, hệ thông PKI...</a:t>
-            </a:r>
-            <a:endParaRPr lang="en-US" sz="2400" dirty="0">
-              <a:latin typeface="Arial" pitchFamily="34" charset="0"/>
-              <a:cs typeface="Arial" pitchFamily="34" charset="0"/>
-            </a:endParaRPr>
+              <a:t>Trong đề tài này chúng ta sẽ tìm hiểu về hệ mã hóa công khai, đây là loại mã hóa hiện đại, dữ liệu được mã hóa khó có thể bị giải mã bởi bên thứ 3, đảm bảo tính bí mật và toàn vẹn của dữ liệu. Được ứng dụng rộng rãi trong giao dịch điện tử như bitcoin, giao dịch ngân hàng... và là nền tảng của kĩ thuật chữ kí điện tử, hệ thông PKI...</a:t>
+            </a:r>
           </a:p>
         </p:txBody>
       </p:sp>
@@ -5141,13 +6759,6 @@
   <p:clrMapOvr>
     <a:masterClrMapping/>
   </p:clrMapOvr>
-  <p:timing>
-    <p:tnLst>
-      <p:par>
-        <p:cTn id="1" dur="indefinite" restart="never" nodeType="tmRoot"/>
-      </p:par>
-    </p:tnLst>
-  </p:timing>
 </p:sld>
 </file>
 
@@ -5190,18 +6801,13 @@
           <a:p>
             <a:pPr algn="ctr"/>
             <a:r>
-              <a:rPr lang="en-US" dirty="0" smtClean="0">
+              <a:rPr lang="en-US" dirty="0">
                 <a:solidFill>
                   <a:srgbClr val="FF0000"/>
                 </a:solidFill>
               </a:rPr>
               <a:t>HỆ MÃ HÓA CÔNG KHAI</a:t>
             </a:r>
-            <a:endParaRPr lang="en-US" dirty="0">
-              <a:solidFill>
-                <a:srgbClr val="FF0000"/>
-              </a:solidFill>
-            </a:endParaRPr>
           </a:p>
         </p:txBody>
       </p:sp>
@@ -5210,13 +6816,6 @@
   <p:clrMapOvr>
     <a:masterClrMapping/>
   </p:clrMapOvr>
-  <p:timing>
-    <p:tnLst>
-      <p:par>
-        <p:cTn id="1" dur="indefinite" restart="never" nodeType="tmRoot"/>
-      </p:par>
-    </p:tnLst>
-  </p:timing>
 </p:sld>
 </file>
 
@@ -5259,24 +6858,14 @@
               <a:buAutoNum type="arabicPeriod"/>
             </a:pPr>
             <a:r>
-              <a:rPr lang="en-US" dirty="0" smtClean="0">
+              <a:rPr lang="en-US" dirty="0">
                 <a:solidFill>
                   <a:schemeClr val="tx1"/>
                 </a:solidFill>
                 <a:latin typeface="Arial" pitchFamily="34" charset="0"/>
                 <a:cs typeface="Arial" pitchFamily="34" charset="0"/>
               </a:rPr>
-              <a:t>L</a:t>
-            </a:r>
-            <a:r>
-              <a:rPr lang="en-US" dirty="0" smtClean="0">
-                <a:solidFill>
-                  <a:schemeClr val="tx1"/>
-                </a:solidFill>
-                <a:latin typeface="Arial" pitchFamily="34" charset="0"/>
-                <a:cs typeface="Arial" pitchFamily="34" charset="0"/>
-              </a:rPr>
-              <a:t>ịch sử ra đời</a:t>
+              <a:t>Lịch sử ra đời</a:t>
             </a:r>
           </a:p>
           <a:p>
@@ -5285,7 +6874,7 @@
               <a:buChar char="-"/>
             </a:pPr>
             <a:r>
-              <a:rPr lang="en-US" sz="2000" dirty="0" smtClean="0">
+              <a:rPr lang="en-US" sz="2000" dirty="0">
                 <a:solidFill>
                   <a:schemeClr val="tx1"/>
                 </a:solidFill>
@@ -5301,7 +6890,7 @@
               <a:buChar char="-"/>
             </a:pPr>
             <a:r>
-              <a:rPr lang="en-US" sz="2000" dirty="0" smtClean="0">
+              <a:rPr lang="en-US" sz="2000" dirty="0">
                 <a:solidFill>
                   <a:schemeClr val="tx1"/>
                 </a:solidFill>
@@ -5310,13 +6899,6 @@
               </a:rPr>
               <a:t>Sau đây là nguyên nhân mà hệ mã hóa bí mật không đảm bảo tính bảo mật trong môi trường internet:</a:t>
             </a:r>
-            <a:endParaRPr lang="en-US" sz="2000" dirty="0">
-              <a:solidFill>
-                <a:schemeClr val="tx1"/>
-              </a:solidFill>
-              <a:latin typeface="Arial" pitchFamily="34" charset="0"/>
-              <a:cs typeface="Arial" pitchFamily="34" charset="0"/>
-            </a:endParaRPr>
           </a:p>
         </p:txBody>
       </p:sp>
@@ -5336,10 +6918,9 @@
           <a:lstStyle/>
           <a:p>
             <a:r>
-              <a:rPr lang="en-US" dirty="0" smtClean="0"/>
+              <a:rPr lang="en-US" dirty="0"/>
               <a:t>HỆ MÃ HÓA CÔNG KHAI</a:t>
             </a:r>
-            <a:endParaRPr lang="en-US" dirty="0"/>
           </a:p>
         </p:txBody>
       </p:sp>
@@ -5395,7 +6976,7 @@
               <a:buChar char="-"/>
             </a:pPr>
             <a:r>
-              <a:rPr lang="en-US" dirty="0" smtClean="0"/>
+              <a:rPr lang="en-US" dirty="0"/>
               <a:t>Về nguyên tắc thì hacker dù có bắt được bản mã của ông A mà không có khóa bí mật thì cũng không thể nào giải mã bản mã để ra bản rõ được.</a:t>
             </a:r>
           </a:p>
@@ -5405,7 +6986,7 @@
               <a:buChar char="-"/>
             </a:pPr>
             <a:r>
-              <a:rPr lang="en-US" dirty="0" smtClean="0"/>
+              <a:rPr lang="en-US" dirty="0"/>
               <a:t>Vấn đề đặt ra ở đây là ông A phải chia sẻ khóa bí mật cho ông B. Nếu gửi thông qua internet thì sẽ bị bên thứ ba (hacker) bắt được khóa và lúc này thông điệp sẽ bị giải mã.</a:t>
             </a:r>
           </a:p>
@@ -5448,10 +7029,9 @@
           <a:p>
             <a:pPr algn="ctr"/>
             <a:r>
-              <a:rPr lang="en-US" dirty="0" smtClean="0"/>
+              <a:rPr lang="en-US" dirty="0"/>
               <a:t>Thông điêp của ông A</a:t>
             </a:r>
-            <a:endParaRPr lang="en-US" dirty="0"/>
           </a:p>
         </p:txBody>
       </p:sp>
@@ -5492,10 +7072,9 @@
           <a:p>
             <a:pPr algn="ctr"/>
             <a:r>
-              <a:rPr lang="en-US" dirty="0" smtClean="0"/>
+              <a:rPr lang="en-US" dirty="0"/>
               <a:t>Internet</a:t>
             </a:r>
-            <a:endParaRPr lang="en-US" dirty="0"/>
           </a:p>
         </p:txBody>
       </p:sp>
@@ -5536,10 +7115,9 @@
           <a:p>
             <a:pPr algn="ctr"/>
             <a:r>
-              <a:rPr lang="en-US" dirty="0" smtClean="0"/>
+              <a:rPr lang="en-US" dirty="0"/>
               <a:t>Thông điệp nhận được từ ông A</a:t>
             </a:r>
-            <a:endParaRPr lang="en-US" dirty="0"/>
           </a:p>
         </p:txBody>
       </p:sp>
@@ -5580,10 +7158,9 @@
           <a:p>
             <a:pPr algn="ctr"/>
             <a:r>
-              <a:rPr lang="en-US" dirty="0" smtClean="0"/>
+              <a:rPr lang="en-US" dirty="0"/>
               <a:t>Mã hóa</a:t>
             </a:r>
-            <a:endParaRPr lang="en-US" dirty="0"/>
           </a:p>
         </p:txBody>
       </p:sp>
@@ -5696,10 +7273,9 @@
           <a:p>
             <a:pPr algn="ctr"/>
             <a:r>
-              <a:rPr lang="en-US" dirty="0" smtClean="0"/>
+              <a:rPr lang="en-US" dirty="0"/>
               <a:t>Giải mã</a:t>
             </a:r>
-            <a:endParaRPr lang="en-US" dirty="0"/>
           </a:p>
         </p:txBody>
       </p:sp>
@@ -5740,10 +7316,9 @@
           <a:p>
             <a:pPr algn="ctr"/>
             <a:r>
-              <a:rPr lang="en-US" dirty="0" smtClean="0"/>
+              <a:rPr lang="en-US" dirty="0"/>
               <a:t>Khóa bí mật</a:t>
             </a:r>
-            <a:endParaRPr lang="en-US" dirty="0"/>
           </a:p>
         </p:txBody>
       </p:sp>
@@ -5784,10 +7359,9 @@
           <a:p>
             <a:pPr algn="ctr"/>
             <a:r>
-              <a:rPr lang="en-US" dirty="0" smtClean="0"/>
+              <a:rPr lang="en-US" dirty="0"/>
               <a:t>Khóa bí mật</a:t>
             </a:r>
-            <a:endParaRPr lang="en-US" dirty="0"/>
           </a:p>
         </p:txBody>
       </p:sp>
